--- a/Documentation/7th Semester Project Presentation.pptx
+++ b/Documentation/7th Semester Project Presentation.pptx
@@ -10,32 +10,28 @@
     <p:sldId id="258" r:id="rId4"/>
     <p:sldId id="259" r:id="rId5"/>
     <p:sldId id="260" r:id="rId6"/>
-    <p:sldId id="261" r:id="rId7"/>
-    <p:sldId id="262" r:id="rId8"/>
-    <p:sldId id="263" r:id="rId9"/>
-    <p:sldId id="264" r:id="rId10"/>
-    <p:sldId id="265" r:id="rId11"/>
-    <p:sldId id="266" r:id="rId12"/>
-    <p:sldId id="267" r:id="rId13"/>
-    <p:sldId id="268" r:id="rId14"/>
+    <p:sldId id="269" r:id="rId7"/>
+    <p:sldId id="261" r:id="rId8"/>
+    <p:sldId id="262" r:id="rId9"/>
+    <p:sldId id="263" r:id="rId10"/>
+    <p:sldId id="270" r:id="rId11"/>
+    <p:sldId id="264" r:id="rId12"/>
+    <p:sldId id="265" r:id="rId13"/>
+    <p:sldId id="266" r:id="rId14"/>
+    <p:sldId id="271" r:id="rId15"/>
+    <p:sldId id="267" r:id="rId16"/>
+    <p:sldId id="268" r:id="rId17"/>
   </p:sldIdLst>
   <p:sldSz cx="18288000" cy="10287000"/>
   <p:notesSz cx="6858000" cy="9144000"/>
   <p:embeddedFontLst>
     <p:embeddedFont>
-      <p:font typeface="Calibri" panose="020F0502020204030204" pitchFamily="34" charset="0"/>
-      <p:regular r:id="rId15"/>
-      <p:bold r:id="rId16"/>
-      <p:italic r:id="rId17"/>
-      <p:boldItalic r:id="rId18"/>
-    </p:embeddedFont>
-    <p:embeddedFont>
       <p:font typeface="Canva Sans" panose="020B0604020202020204" charset="0"/>
-      <p:regular r:id="rId19"/>
+      <p:regular r:id="rId18"/>
     </p:embeddedFont>
     <p:embeddedFont>
       <p:font typeface="Canva Sans Bold" panose="020B0604020202020204" charset="0"/>
-      <p:regular r:id="rId20"/>
+      <p:regular r:id="rId19"/>
     </p:embeddedFont>
   </p:embeddedFontLst>
   <p:defaultTextStyle>
@@ -332,7 +328,7 @@
             <a:fld id="{1D8BD707-D9CF-40AE-B4C6-C98DA3205C09}" type="datetimeFigureOut">
               <a:rPr lang="en-US" smtClean="0"/>
               <a:pPr/>
-              <a:t>11/23/2023</a:t>
+              <a:t>4/21/2024</a:t>
             </a:fld>
             <a:endParaRPr lang="en-US"/>
           </a:p>
@@ -497,7 +493,7 @@
             <a:fld id="{1D8BD707-D9CF-40AE-B4C6-C98DA3205C09}" type="datetimeFigureOut">
               <a:rPr lang="en-US" smtClean="0"/>
               <a:pPr/>
-              <a:t>11/23/2023</a:t>
+              <a:t>4/21/2024</a:t>
             </a:fld>
             <a:endParaRPr lang="en-US"/>
           </a:p>
@@ -672,7 +668,7 @@
             <a:fld id="{1D8BD707-D9CF-40AE-B4C6-C98DA3205C09}" type="datetimeFigureOut">
               <a:rPr lang="en-US" smtClean="0"/>
               <a:pPr/>
-              <a:t>11/23/2023</a:t>
+              <a:t>4/21/2024</a:t>
             </a:fld>
             <a:endParaRPr lang="en-US"/>
           </a:p>
@@ -837,7 +833,7 @@
             <a:fld id="{1D8BD707-D9CF-40AE-B4C6-C98DA3205C09}" type="datetimeFigureOut">
               <a:rPr lang="en-US" smtClean="0"/>
               <a:pPr/>
-              <a:t>11/23/2023</a:t>
+              <a:t>4/21/2024</a:t>
             </a:fld>
             <a:endParaRPr lang="en-US"/>
           </a:p>
@@ -1079,7 +1075,7 @@
             <a:fld id="{1D8BD707-D9CF-40AE-B4C6-C98DA3205C09}" type="datetimeFigureOut">
               <a:rPr lang="en-US" smtClean="0"/>
               <a:pPr/>
-              <a:t>11/23/2023</a:t>
+              <a:t>4/21/2024</a:t>
             </a:fld>
             <a:endParaRPr lang="en-US"/>
           </a:p>
@@ -1361,7 +1357,7 @@
             <a:fld id="{1D8BD707-D9CF-40AE-B4C6-C98DA3205C09}" type="datetimeFigureOut">
               <a:rPr lang="en-US" smtClean="0"/>
               <a:pPr/>
-              <a:t>11/23/2023</a:t>
+              <a:t>4/21/2024</a:t>
             </a:fld>
             <a:endParaRPr lang="en-US"/>
           </a:p>
@@ -1777,7 +1773,7 @@
             <a:fld id="{1D8BD707-D9CF-40AE-B4C6-C98DA3205C09}" type="datetimeFigureOut">
               <a:rPr lang="en-US" smtClean="0"/>
               <a:pPr/>
-              <a:t>11/23/2023</a:t>
+              <a:t>4/21/2024</a:t>
             </a:fld>
             <a:endParaRPr lang="en-US"/>
           </a:p>
@@ -1891,7 +1887,7 @@
             <a:fld id="{1D8BD707-D9CF-40AE-B4C6-C98DA3205C09}" type="datetimeFigureOut">
               <a:rPr lang="en-US" smtClean="0"/>
               <a:pPr/>
-              <a:t>11/23/2023</a:t>
+              <a:t>4/21/2024</a:t>
             </a:fld>
             <a:endParaRPr lang="en-US"/>
           </a:p>
@@ -1983,7 +1979,7 @@
             <a:fld id="{1D8BD707-D9CF-40AE-B4C6-C98DA3205C09}" type="datetimeFigureOut">
               <a:rPr lang="en-US" smtClean="0"/>
               <a:pPr/>
-              <a:t>11/23/2023</a:t>
+              <a:t>4/21/2024</a:t>
             </a:fld>
             <a:endParaRPr lang="en-US"/>
           </a:p>
@@ -2255,7 +2251,7 @@
             <a:fld id="{1D8BD707-D9CF-40AE-B4C6-C98DA3205C09}" type="datetimeFigureOut">
               <a:rPr lang="en-US" smtClean="0"/>
               <a:pPr/>
-              <a:t>11/23/2023</a:t>
+              <a:t>4/21/2024</a:t>
             </a:fld>
             <a:endParaRPr lang="en-US"/>
           </a:p>
@@ -2504,7 +2500,7 @@
             <a:fld id="{1D8BD707-D9CF-40AE-B4C6-C98DA3205C09}" type="datetimeFigureOut">
               <a:rPr lang="en-US" smtClean="0"/>
               <a:pPr/>
-              <a:t>11/23/2023</a:t>
+              <a:t>4/21/2024</a:t>
             </a:fld>
             <a:endParaRPr lang="en-US"/>
           </a:p>
@@ -2712,7 +2708,7 @@
             <a:fld id="{1D8BD707-D9CF-40AE-B4C6-C98DA3205C09}" type="datetimeFigureOut">
               <a:rPr lang="en-US" smtClean="0"/>
               <a:pPr/>
-              <a:t>11/23/2023</a:t>
+              <a:t>4/21/2024</a:t>
             </a:fld>
             <a:endParaRPr lang="en-US"/>
           </a:p>
@@ -3326,7 +3322,7 @@
               </a:lnSpc>
             </a:pPr>
             <a:r>
-              <a:rPr lang="en-US" sz="2400">
+              <a:rPr lang="en-US" sz="2400" dirty="0">
                 <a:solidFill>
                   <a:srgbClr val="000000"/>
                 </a:solidFill>
@@ -3342,13 +3338,13 @@
               </a:lnSpc>
             </a:pPr>
             <a:r>
-              <a:rPr lang="en-US" sz="2500">
+              <a:rPr lang="en-US" sz="2500" dirty="0">
                 <a:solidFill>
                   <a:srgbClr val="C60101"/>
                 </a:solidFill>
                 <a:latin typeface="Canva Sans Bold"/>
               </a:rPr>
-              <a:t>Dr. AVS Pavan Kumar</a:t>
+              <a:t>Miss Alisa Behera</a:t>
             </a:r>
           </a:p>
           <a:p>
@@ -3358,13 +3354,13 @@
               </a:lnSpc>
             </a:pPr>
             <a:r>
-              <a:rPr lang="en-US" sz="2500">
+              <a:rPr lang="en-US" sz="2500" dirty="0">
                 <a:solidFill>
                   <a:srgbClr val="C60101"/>
                 </a:solidFill>
                 <a:latin typeface="Canva Sans Bold"/>
               </a:rPr>
-              <a:t>Professor, Department of CSE, GIET University</a:t>
+              <a:t>Asst Professor, Department of CSE, GIET University</a:t>
             </a:r>
           </a:p>
           <a:p>
@@ -3373,7 +3369,7 @@
                 <a:spcPts val="4620"/>
               </a:lnSpc>
             </a:pPr>
-            <a:endParaRPr lang="en-US" sz="2500">
+            <a:endParaRPr lang="en-US" sz="2500" dirty="0">
               <a:solidFill>
                 <a:srgbClr val="C60101"/>
               </a:solidFill>
@@ -3493,13 +3489,13 @@
               </a:lnSpc>
             </a:pPr>
             <a:r>
-              <a:rPr lang="en-US" sz="2800">
+              <a:rPr lang="en-US" sz="2800" dirty="0">
                 <a:solidFill>
                   <a:srgbClr val="0003FF"/>
                 </a:solidFill>
                 <a:latin typeface="Canva Sans Bold"/>
               </a:rPr>
-              <a:t>24th November 2023</a:t>
+              <a:t>26th April 2024</a:t>
             </a:r>
           </a:p>
         </p:txBody>
@@ -3660,7 +3656,7 @@
       </p:grpSp>
       <p:sp>
         <p:nvSpPr>
-          <p:cNvPr id="6" name="TextBox 6"/>
+          <p:cNvPr id="8" name="TextBox 8"/>
           <p:cNvSpPr txBox="1"/>
           <p:nvPr/>
         </p:nvSpPr>
@@ -3701,7 +3697,7 @@
       </p:sp>
       <p:sp>
         <p:nvSpPr>
-          <p:cNvPr id="7" name="TextBox 7"/>
+          <p:cNvPr id="9" name="TextBox 9"/>
           <p:cNvSpPr txBox="1"/>
           <p:nvPr/>
         </p:nvSpPr>
@@ -3739,14 +3735,14 @@
       </p:sp>
       <p:sp>
         <p:nvSpPr>
-          <p:cNvPr id="8" name="TextBox 8"/>
+          <p:cNvPr id="10" name="TextBox 10"/>
           <p:cNvSpPr txBox="1"/>
           <p:nvPr/>
         </p:nvSpPr>
         <p:spPr>
           <a:xfrm>
-            <a:off x="6032498" y="2027283"/>
-            <a:ext cx="7251812" cy="903605"/>
+            <a:off x="6950636" y="2027283"/>
+            <a:ext cx="5627524" cy="903605"/>
           </a:xfrm>
           <a:prstGeom prst="rect">
             <a:avLst/>
@@ -3770,232 +3766,89 @@
                 </a:solidFill>
                 <a:latin typeface="Canva Sans Bold"/>
               </a:rPr>
-              <a:t>Benefits and Impact</a:t>
-            </a:r>
-          </a:p>
-        </p:txBody>
-      </p:sp>
-      <p:sp>
-        <p:nvSpPr>
-          <p:cNvPr id="9" name="TextBox 9"/>
-          <p:cNvSpPr txBox="1"/>
+              <a:t>System Design</a:t>
+            </a:r>
+          </a:p>
+        </p:txBody>
+      </p:sp>
+      <p:pic>
+        <p:nvPicPr>
+          <p:cNvPr id="7" name="Picture 6">
+            <a:extLst>
+              <a:ext uri="{FF2B5EF4-FFF2-40B4-BE49-F238E27FC236}">
+                <a16:creationId xmlns:a16="http://schemas.microsoft.com/office/drawing/2014/main" id="{47207EFF-76F2-0A60-E032-4762D07F03D3}"/>
+              </a:ext>
+            </a:extLst>
+          </p:cNvPr>
+          <p:cNvPicPr>
+            <a:picLocks noChangeAspect="1"/>
+          </p:cNvPicPr>
           <p:nvPr/>
-        </p:nvSpPr>
-        <p:spPr>
-          <a:xfrm>
-            <a:off x="1755999" y="3259526"/>
-            <a:ext cx="15804808" cy="5033645"/>
+        </p:nvPicPr>
+        <p:blipFill>
+          <a:blip r:embed="rId3">
+            <a:extLst>
+              <a:ext uri="{28A0092B-C50C-407E-A947-70E740481C1C}">
+                <a14:useLocalDpi xmlns:a14="http://schemas.microsoft.com/office/drawing/2010/main" val="0"/>
+              </a:ext>
+            </a:extLst>
+          </a:blip>
+          <a:stretch>
+            <a:fillRect/>
+          </a:stretch>
+        </p:blipFill>
+        <p:spPr>
+          <a:xfrm>
+            <a:off x="762000" y="3195541"/>
+            <a:ext cx="7516274" cy="6220693"/>
           </a:xfrm>
           <a:prstGeom prst="rect">
             <a:avLst/>
           </a:prstGeom>
         </p:spPr>
-        <p:txBody>
-          <a:bodyPr lIns="0" tIns="0" rIns="0" bIns="0" rtlCol="0" anchor="t">
-            <a:spAutoFit/>
-          </a:bodyPr>
-          <a:lstStyle/>
-          <a:p>
-            <a:pPr marL="690881" lvl="1" indent="-345440" algn="just">
-              <a:lnSpc>
-                <a:spcPts val="4480"/>
-              </a:lnSpc>
-              <a:buFont typeface="Arial"/>
-              <a:buChar char="•"/>
-            </a:pPr>
-            <a:r>
-              <a:rPr lang="en-US" sz="3200">
-                <a:solidFill>
-                  <a:srgbClr val="000000"/>
-                </a:solidFill>
-                <a:latin typeface="Canva Sans"/>
-              </a:rPr>
-              <a:t>Rapid image uploads allow for </a:t>
-            </a:r>
-            <a:r>
-              <a:rPr lang="en-US" sz="3200">
-                <a:solidFill>
-                  <a:srgbClr val="000000"/>
-                </a:solidFill>
-                <a:latin typeface="Canva Sans Bold"/>
-              </a:rPr>
-              <a:t>quicker initiation</a:t>
-            </a:r>
-            <a:r>
-              <a:rPr lang="en-US" sz="3200">
-                <a:solidFill>
-                  <a:srgbClr val="000000"/>
-                </a:solidFill>
-                <a:latin typeface="Canva Sans"/>
-              </a:rPr>
-              <a:t> of the search process.</a:t>
-            </a:r>
-          </a:p>
-          <a:p>
-            <a:pPr marL="690881" lvl="1" indent="-345440" algn="just">
-              <a:lnSpc>
-                <a:spcPts val="4480"/>
-              </a:lnSpc>
-              <a:buFont typeface="Arial"/>
-              <a:buChar char="•"/>
-            </a:pPr>
-            <a:r>
-              <a:rPr lang="en-US" sz="3200">
-                <a:solidFill>
-                  <a:srgbClr val="000000"/>
-                </a:solidFill>
-                <a:latin typeface="Canva Sans"/>
-              </a:rPr>
-              <a:t>OpenCV &amp; face-recgonition ensures </a:t>
-            </a:r>
-            <a:r>
-              <a:rPr lang="en-US" sz="3200">
-                <a:solidFill>
-                  <a:srgbClr val="000000"/>
-                </a:solidFill>
-                <a:latin typeface="Canva Sans Bold"/>
-              </a:rPr>
-              <a:t>precise facial feature extraction</a:t>
-            </a:r>
-            <a:r>
-              <a:rPr lang="en-US" sz="3200">
-                <a:solidFill>
-                  <a:srgbClr val="000000"/>
-                </a:solidFill>
-                <a:latin typeface="Canva Sans"/>
-              </a:rPr>
-              <a:t>, enhancing the accuracy of face encodings during matching.</a:t>
-            </a:r>
-          </a:p>
-          <a:p>
-            <a:pPr marL="690881" lvl="1" indent="-345440" algn="just">
-              <a:lnSpc>
-                <a:spcPts val="4480"/>
-              </a:lnSpc>
-              <a:buFont typeface="Arial"/>
-              <a:buChar char="•"/>
-            </a:pPr>
-            <a:r>
-              <a:rPr lang="en-US" sz="3200">
-                <a:solidFill>
-                  <a:srgbClr val="000000"/>
-                </a:solidFill>
-                <a:latin typeface="Canva Sans Bold"/>
-              </a:rPr>
-              <a:t>Organized database</a:t>
-            </a:r>
-            <a:r>
-              <a:rPr lang="en-US" sz="3200">
-                <a:solidFill>
-                  <a:srgbClr val="000000"/>
-                </a:solidFill>
-                <a:latin typeface="Canva Sans"/>
-              </a:rPr>
-              <a:t> ensures  comparison during facial recognition</a:t>
-            </a:r>
-          </a:p>
-          <a:p>
-            <a:pPr marL="690881" lvl="1" indent="-345440" algn="just">
-              <a:lnSpc>
-                <a:spcPts val="4480"/>
-              </a:lnSpc>
-              <a:buFont typeface="Arial"/>
-              <a:buChar char="•"/>
-            </a:pPr>
-            <a:r>
-              <a:rPr lang="en-US" sz="3200">
-                <a:solidFill>
-                  <a:srgbClr val="000000"/>
-                </a:solidFill>
-                <a:latin typeface="Canva Sans Bold"/>
-              </a:rPr>
-              <a:t>Automatic alert generation</a:t>
-            </a:r>
-            <a:r>
-              <a:rPr lang="en-US" sz="3200">
-                <a:solidFill>
-                  <a:srgbClr val="000000"/>
-                </a:solidFill>
-                <a:latin typeface="Canva Sans"/>
-              </a:rPr>
-              <a:t> for  authorities and concerned individuals.</a:t>
-            </a:r>
-          </a:p>
-          <a:p>
-            <a:pPr marL="690881" lvl="1" indent="-345440" algn="just">
-              <a:lnSpc>
-                <a:spcPts val="4480"/>
-              </a:lnSpc>
-              <a:buFont typeface="Arial"/>
-              <a:buChar char="•"/>
-            </a:pPr>
-            <a:r>
-              <a:rPr lang="en-US" sz="3200">
-                <a:solidFill>
-                  <a:srgbClr val="000000"/>
-                </a:solidFill>
-                <a:latin typeface="Canva Sans"/>
-              </a:rPr>
-              <a:t>Reduces the </a:t>
-            </a:r>
-            <a:r>
-              <a:rPr lang="en-US" sz="3200">
-                <a:solidFill>
-                  <a:srgbClr val="000000"/>
-                </a:solidFill>
-                <a:latin typeface="Canva Sans Bold"/>
-              </a:rPr>
-              <a:t>overall time and resources traditionally required</a:t>
-            </a:r>
-            <a:r>
-              <a:rPr lang="en-US" sz="3200">
-                <a:solidFill>
-                  <a:srgbClr val="000000"/>
-                </a:solidFill>
-                <a:latin typeface="Canva Sans"/>
-              </a:rPr>
-              <a:t> for missing person investigations.</a:t>
-            </a:r>
-          </a:p>
-          <a:p>
-            <a:pPr marL="690881" lvl="1" indent="-345440" algn="just">
-              <a:lnSpc>
-                <a:spcPts val="4480"/>
-              </a:lnSpc>
-              <a:buFont typeface="Arial"/>
-              <a:buChar char="•"/>
-            </a:pPr>
-            <a:r>
-              <a:rPr lang="en-US" sz="3200">
-                <a:solidFill>
-                  <a:srgbClr val="000000"/>
-                </a:solidFill>
-                <a:latin typeface="Canva Sans"/>
-              </a:rPr>
-              <a:t>The project sets the stage for </a:t>
-            </a:r>
-            <a:r>
-              <a:rPr lang="en-US" sz="3200">
-                <a:solidFill>
-                  <a:srgbClr val="000000"/>
-                </a:solidFill>
-                <a:latin typeface="Canva Sans Bold"/>
-              </a:rPr>
-              <a:t>advancements in missing person detection</a:t>
-            </a:r>
-            <a:r>
-              <a:rPr lang="en-US" sz="3200">
-                <a:solidFill>
-                  <a:srgbClr val="000000"/>
-                </a:solidFill>
-                <a:latin typeface="Canva Sans"/>
-              </a:rPr>
-              <a:t>, with potential applications extending beyond current boundaries.</a:t>
-            </a:r>
-          </a:p>
-        </p:txBody>
-      </p:sp>
+      </p:pic>
+      <p:pic>
+        <p:nvPicPr>
+          <p:cNvPr id="12" name="Picture 11">
+            <a:extLst>
+              <a:ext uri="{FF2B5EF4-FFF2-40B4-BE49-F238E27FC236}">
+                <a16:creationId xmlns:a16="http://schemas.microsoft.com/office/drawing/2014/main" id="{0203E456-953C-5670-7D95-97BBCE7DDAF6}"/>
+              </a:ext>
+            </a:extLst>
+          </p:cNvPr>
+          <p:cNvPicPr>
+            <a:picLocks noChangeAspect="1"/>
+          </p:cNvPicPr>
+          <p:nvPr/>
+        </p:nvPicPr>
+        <p:blipFill>
+          <a:blip r:embed="rId4">
+            <a:extLst>
+              <a:ext uri="{28A0092B-C50C-407E-A947-70E740481C1C}">
+                <a14:useLocalDpi xmlns:a14="http://schemas.microsoft.com/office/drawing/2010/main" val="0"/>
+              </a:ext>
+            </a:extLst>
+          </a:blip>
+          <a:stretch>
+            <a:fillRect/>
+          </a:stretch>
+        </p:blipFill>
+        <p:spPr>
+          <a:xfrm>
+            <a:off x="8733201" y="3619500"/>
+            <a:ext cx="8773749" cy="5334000"/>
+          </a:xfrm>
+          <a:prstGeom prst="rect">
+            <a:avLst/>
+          </a:prstGeom>
+        </p:spPr>
+      </p:pic>
     </p:spTree>
+    <p:extLst>
+      <p:ext uri="{BB962C8B-B14F-4D97-AF65-F5344CB8AC3E}">
+        <p14:creationId xmlns:p14="http://schemas.microsoft.com/office/powerpoint/2010/main" val="3152693982"/>
+      </p:ext>
+    </p:extLst>
   </p:cSld>
   <p:clrMapOvr>
     <a:masterClrMapping/>
@@ -4236,8 +4089,8 @@
         </p:nvSpPr>
         <p:spPr>
           <a:xfrm>
-            <a:off x="5305916" y="2027283"/>
-            <a:ext cx="8802268" cy="903605"/>
+            <a:off x="6032498" y="2027283"/>
+            <a:ext cx="7374864" cy="903605"/>
           </a:xfrm>
           <a:prstGeom prst="rect">
             <a:avLst/>
@@ -4261,43 +4114,7 @@
                 </a:solidFill>
                 <a:latin typeface="Canva Sans Bold"/>
               </a:rPr>
-              <a:t>Challenges</a:t>
-            </a:r>
-            <a:r>
-              <a:rPr lang="en-US" sz="5299">
-                <a:solidFill>
-                  <a:srgbClr val="0003FF"/>
-                </a:solidFill>
-                <a:latin typeface="Canva Sans Bold"/>
-              </a:rPr>
-              <a:t> </a:t>
-            </a:r>
-            <a:r>
-              <a:rPr lang="en-US" sz="5299" u="sng">
-                <a:solidFill>
-                  <a:srgbClr val="0003FF"/>
-                </a:solidFill>
-                <a:latin typeface="Canva Sans Bold"/>
-              </a:rPr>
-              <a:t>&amp;</a:t>
-            </a:r>
-            <a:r>
-              <a:rPr lang="en-US" sz="5299">
-                <a:solidFill>
-                  <a:srgbClr val="0003FF"/>
-                </a:solidFill>
-                <a:latin typeface="Canva Sans Bold"/>
-              </a:rPr>
-              <a:t> </a:t>
-            </a:r>
-            <a:r>
-              <a:rPr lang="en-US" sz="5299" u="sng">
-                <a:solidFill>
-                  <a:srgbClr val="0003FF"/>
-                </a:solidFill>
-                <a:latin typeface="Canva Sans Bold"/>
-              </a:rPr>
-              <a:t>Mitigations </a:t>
+              <a:t>Future Scope</a:t>
             </a:r>
           </a:p>
         </p:txBody>
@@ -4310,8 +4127,8 @@
         </p:nvSpPr>
         <p:spPr>
           <a:xfrm>
-            <a:off x="1028700" y="3102338"/>
-            <a:ext cx="16954857" cy="6581140"/>
+            <a:off x="1246126" y="3483338"/>
+            <a:ext cx="16076534" cy="4780915"/>
           </a:xfrm>
           <a:prstGeom prst="rect">
             <a:avLst/>
@@ -4335,126 +4152,27 @@
                 <a:solidFill>
                   <a:srgbClr val="000000"/>
                 </a:solidFill>
+                <a:latin typeface="Canva Sans"/>
+              </a:rPr>
+              <a:t>Real-Time </a:t>
+            </a:r>
+            <a:r>
+              <a:rPr lang="en-US" sz="3399">
+                <a:solidFill>
+                  <a:srgbClr val="000000"/>
+                </a:solidFill>
                 <a:latin typeface="Canva Sans Bold"/>
               </a:rPr>
-              <a:t>Challanges</a:t>
-            </a:r>
-          </a:p>
-          <a:p>
-            <a:pPr marL="1468119" lvl="2" indent="-489373" algn="just">
-              <a:lnSpc>
-                <a:spcPts val="4759"/>
-              </a:lnSpc>
-              <a:buFont typeface="Arial"/>
-              <a:buChar char="⚬"/>
-            </a:pPr>
+              <a:t>Video Analysis</a:t>
+            </a:r>
             <a:r>
               <a:rPr lang="en-US" sz="3399">
                 <a:solidFill>
                   <a:srgbClr val="000000"/>
                 </a:solidFill>
-                <a:latin typeface="Canva Sans Bold"/>
-              </a:rPr>
-              <a:t>Accuracy </a:t>
-            </a:r>
-            <a:r>
-              <a:rPr lang="en-US" sz="3399">
-                <a:solidFill>
-                  <a:srgbClr val="000000"/>
-                </a:solidFill>
                 <a:latin typeface="Canva Sans"/>
               </a:rPr>
-              <a:t>of Facial Recognition.</a:t>
-            </a:r>
-          </a:p>
-          <a:p>
-            <a:pPr marL="1468119" lvl="2" indent="-489373" algn="just">
-              <a:lnSpc>
-                <a:spcPts val="4759"/>
-              </a:lnSpc>
-              <a:buFont typeface="Arial"/>
-              <a:buChar char="⚬"/>
-            </a:pPr>
-            <a:r>
-              <a:rPr lang="en-US" sz="3399">
-                <a:solidFill>
-                  <a:srgbClr val="000000"/>
-                </a:solidFill>
-                <a:latin typeface="Canva Sans"/>
-              </a:rPr>
-              <a:t>Protecting the </a:t>
-            </a:r>
-            <a:r>
-              <a:rPr lang="en-US" sz="3399">
-                <a:solidFill>
-                  <a:srgbClr val="000000"/>
-                </a:solidFill>
-                <a:latin typeface="Canva Sans Bold"/>
-              </a:rPr>
-              <a:t>privacy</a:t>
-            </a:r>
-            <a:r>
-              <a:rPr lang="en-US" sz="3399">
-                <a:solidFill>
-                  <a:srgbClr val="000000"/>
-                </a:solidFill>
-                <a:latin typeface="Canva Sans"/>
-              </a:rPr>
-              <a:t> of individuals.</a:t>
-            </a:r>
-          </a:p>
-          <a:p>
-            <a:pPr marL="1468119" lvl="2" indent="-489373" algn="just">
-              <a:lnSpc>
-                <a:spcPts val="4759"/>
-              </a:lnSpc>
-              <a:buFont typeface="Arial"/>
-              <a:buChar char="⚬"/>
-            </a:pPr>
-            <a:r>
-              <a:rPr lang="en-US" sz="3399">
-                <a:solidFill>
-                  <a:srgbClr val="000000"/>
-                </a:solidFill>
-                <a:latin typeface="Canva Sans"/>
-              </a:rPr>
-              <a:t>Handling large volumes of </a:t>
-            </a:r>
-            <a:r>
-              <a:rPr lang="en-US" sz="3399">
-                <a:solidFill>
-                  <a:srgbClr val="000000"/>
-                </a:solidFill>
-                <a:latin typeface="Canva Sans Bold"/>
-              </a:rPr>
-              <a:t>image data and processing.</a:t>
-            </a:r>
-          </a:p>
-          <a:p>
-            <a:pPr marL="1468119" lvl="2" indent="-489373" algn="just">
-              <a:lnSpc>
-                <a:spcPts val="4759"/>
-              </a:lnSpc>
-              <a:buFont typeface="Arial"/>
-              <a:buChar char="⚬"/>
-            </a:pPr>
-            <a:r>
-              <a:rPr lang="en-US" sz="3399">
-                <a:solidFill>
-                  <a:srgbClr val="000000"/>
-                </a:solidFill>
-                <a:latin typeface="Canva Sans"/>
-              </a:rPr>
-              <a:t>Collaborating with </a:t>
-            </a:r>
-            <a:r>
-              <a:rPr lang="en-US" sz="3399">
-                <a:solidFill>
-                  <a:srgbClr val="000000"/>
-                </a:solidFill>
-                <a:latin typeface="Canva Sans Bold"/>
-              </a:rPr>
-              <a:t>law enforcement agencies.</a:t>
+              <a:t> Integration. </a:t>
             </a:r>
           </a:p>
           <a:p>
@@ -4470,18 +4188,36 @@
                 <a:solidFill>
                   <a:srgbClr val="000000"/>
                 </a:solidFill>
+                <a:latin typeface="Canva Sans"/>
+              </a:rPr>
+              <a:t>Mobile</a:t>
+            </a:r>
+            <a:r>
+              <a:rPr lang="en-US" sz="3399">
+                <a:solidFill>
+                  <a:srgbClr val="000000"/>
+                </a:solidFill>
                 <a:latin typeface="Canva Sans Bold"/>
               </a:rPr>
-              <a:t>Mitigations</a:t>
-            </a:r>
-          </a:p>
-          <a:p>
-            <a:pPr marL="1468119" lvl="2" indent="-489373" algn="just">
+              <a:t> Application Development</a:t>
+            </a:r>
+            <a:r>
+              <a:rPr lang="en-US" sz="3399">
+                <a:solidFill>
+                  <a:srgbClr val="000000"/>
+                </a:solidFill>
+                <a:latin typeface="Canva Sans"/>
+              </a:rPr>
+              <a:t>. </a:t>
+            </a:r>
+          </a:p>
+          <a:p>
+            <a:pPr marL="734059" lvl="1" indent="-367030" algn="just">
               <a:lnSpc>
                 <a:spcPts val="4759"/>
               </a:lnSpc>
               <a:buFont typeface="Arial"/>
-              <a:buChar char="⚬"/>
+              <a:buChar char="•"/>
             </a:pPr>
             <a:r>
               <a:rPr lang="en-US" sz="3399">
@@ -4490,7 +4226,7 @@
                 </a:solidFill>
                 <a:latin typeface="Canva Sans Bold"/>
               </a:rPr>
-              <a:t>Advanced </a:t>
+              <a:t>Collaboration with Law Enforcement </a:t>
             </a:r>
             <a:r>
               <a:rPr lang="en-US" sz="3399">
@@ -4499,16 +4235,16 @@
                 </a:solidFill>
                 <a:latin typeface="Canva Sans"/>
               </a:rPr>
-              <a:t>Facial Recognition Algorithms.</a:t>
-            </a:r>
-          </a:p>
-          <a:p>
-            <a:pPr marL="1468119" lvl="2" indent="-489373" algn="just">
+              <a:t>Agencies,</a:t>
+            </a:r>
+          </a:p>
+          <a:p>
+            <a:pPr marL="734059" lvl="1" indent="-367030" algn="just">
               <a:lnSpc>
                 <a:spcPts val="4759"/>
               </a:lnSpc>
               <a:buFont typeface="Arial"/>
-              <a:buChar char="⚬"/>
+              <a:buChar char="•"/>
             </a:pPr>
             <a:r>
               <a:rPr lang="en-US" sz="3399">
@@ -4517,7 +4253,7 @@
                 </a:solidFill>
                 <a:latin typeface="Canva Sans"/>
               </a:rPr>
-              <a:t>Secure </a:t>
+              <a:t>Integration with </a:t>
             </a:r>
             <a:r>
               <a:rPr lang="en-US" sz="3399">
@@ -4526,7 +4262,7 @@
                 </a:solidFill>
                 <a:latin typeface="Canva Sans Bold"/>
               </a:rPr>
-              <a:t>Data Storage </a:t>
+              <a:t>Social Media</a:t>
             </a:r>
             <a:r>
               <a:rPr lang="en-US" sz="3399">
@@ -4535,6 +4271,69 @@
                 </a:solidFill>
                 <a:latin typeface="Canva Sans"/>
               </a:rPr>
+              <a:t> Platforms.</a:t>
+            </a:r>
+          </a:p>
+          <a:p>
+            <a:pPr marL="734059" lvl="1" indent="-367030" algn="just">
+              <a:lnSpc>
+                <a:spcPts val="4759"/>
+              </a:lnSpc>
+              <a:buFont typeface="Arial"/>
+              <a:buChar char="•"/>
+            </a:pPr>
+            <a:r>
+              <a:rPr lang="en-US" sz="3399">
+                <a:solidFill>
+                  <a:srgbClr val="000000"/>
+                </a:solidFill>
+                <a:latin typeface="Canva Sans"/>
+              </a:rPr>
+              <a:t>Integration with</a:t>
+            </a:r>
+            <a:r>
+              <a:rPr lang="en-US" sz="3399">
+                <a:solidFill>
+                  <a:srgbClr val="000000"/>
+                </a:solidFill>
+                <a:latin typeface="Canva Sans Bold"/>
+              </a:rPr>
+              <a:t> Public Services.</a:t>
+            </a:r>
+          </a:p>
+          <a:p>
+            <a:pPr marL="734059" lvl="1" indent="-367030" algn="just">
+              <a:lnSpc>
+                <a:spcPts val="4759"/>
+              </a:lnSpc>
+              <a:buFont typeface="Arial"/>
+              <a:buChar char="•"/>
+            </a:pPr>
+            <a:r>
+              <a:rPr lang="en-US" sz="3399">
+                <a:solidFill>
+                  <a:srgbClr val="000000"/>
+                </a:solidFill>
+                <a:latin typeface="Canva Sans"/>
+              </a:rPr>
+              <a:t>Implementing </a:t>
+            </a:r>
+            <a:r>
+              <a:rPr lang="en-US" sz="3399">
+                <a:solidFill>
+                  <a:srgbClr val="000000"/>
+                </a:solidFill>
+                <a:latin typeface="Canva Sans Bold"/>
+              </a:rPr>
+              <a:t>encryption protocols </a:t>
+            </a:r>
+            <a:r>
+              <a:rPr lang="en-US" sz="3399">
+                <a:solidFill>
+                  <a:srgbClr val="000000"/>
+                </a:solidFill>
+                <a:latin typeface="Canva Sans"/>
+              </a:rPr>
               <a:t>and </a:t>
             </a:r>
             <a:r>
@@ -4544,8 +4343,17 @@
                 </a:solidFill>
                 <a:latin typeface="Canva Sans Bold"/>
               </a:rPr>
-              <a:t>Encryption</a:t>
-            </a:r>
+              <a:t>data privacy.</a:t>
+            </a:r>
+          </a:p>
+          <a:p>
+            <a:pPr marL="734059" lvl="1" indent="-367030" algn="just">
+              <a:lnSpc>
+                <a:spcPts val="4759"/>
+              </a:lnSpc>
+              <a:buFont typeface="Arial"/>
+              <a:buChar char="•"/>
+            </a:pPr>
             <a:r>
               <a:rPr lang="en-US" sz="3399">
                 <a:solidFill>
@@ -4553,25 +4361,61 @@
                 </a:solidFill>
                 <a:latin typeface="Canva Sans"/>
               </a:rPr>
-              <a:t>.</a:t>
-            </a:r>
-          </a:p>
-          <a:p>
-            <a:pPr marL="1468119" lvl="2" indent="-489373" algn="just">
+              <a:t>Incorporating </a:t>
+            </a:r>
+            <a:r>
+              <a:rPr lang="en-US" sz="3399">
+                <a:solidFill>
+                  <a:srgbClr val="000000"/>
+                </a:solidFill>
+                <a:latin typeface="Canva Sans Bold"/>
+              </a:rPr>
+              <a:t>geolocation services </a:t>
+            </a:r>
+            <a:r>
+              <a:rPr lang="en-US" sz="3399">
+                <a:solidFill>
+                  <a:srgbClr val="000000"/>
+                </a:solidFill>
+                <a:latin typeface="Canva Sans"/>
+              </a:rPr>
+              <a:t>and</a:t>
+            </a:r>
+            <a:r>
+              <a:rPr lang="en-US" sz="3399">
+                <a:solidFill>
+                  <a:srgbClr val="000000"/>
+                </a:solidFill>
+                <a:latin typeface="Canva Sans Bold"/>
+              </a:rPr>
+              <a:t> camera metadata.</a:t>
+            </a:r>
+          </a:p>
+          <a:p>
+            <a:pPr marL="734059" lvl="1" indent="-367030" algn="just">
               <a:lnSpc>
                 <a:spcPts val="4759"/>
               </a:lnSpc>
               <a:buFont typeface="Arial"/>
-              <a:buChar char="⚬"/>
+              <a:buChar char="•"/>
             </a:pPr>
             <a:r>
               <a:rPr lang="en-US" sz="3399">
                 <a:solidFill>
                   <a:srgbClr val="000000"/>
                 </a:solidFill>
+                <a:latin typeface="Canva Sans"/>
+              </a:rPr>
+              <a:t>Deploying the system on </a:t>
+            </a:r>
+            <a:r>
+              <a:rPr lang="en-US" sz="3399">
+                <a:solidFill>
+                  <a:srgbClr val="000000"/>
+                </a:solidFill>
                 <a:latin typeface="Canva Sans Bold"/>
               </a:rPr>
-              <a:t>Optimizing machine learning models </a:t>
+              <a:t>cloud services </a:t>
             </a:r>
             <a:r>
               <a:rPr lang="en-US" sz="3399">
@@ -4580,57 +4424,17 @@
                 </a:solidFill>
                 <a:latin typeface="Canva Sans"/>
               </a:rPr>
-              <a:t>to reduce computational complexity.</a:t>
-            </a:r>
-          </a:p>
-          <a:p>
-            <a:pPr marL="1468119" lvl="2" indent="-489373" algn="just">
-              <a:lnSpc>
-                <a:spcPts val="4759"/>
-              </a:lnSpc>
-              <a:buFont typeface="Arial"/>
-              <a:buChar char="⚬"/>
-            </a:pPr>
+              <a:t>like </a:t>
+            </a:r>
             <a:r>
               <a:rPr lang="en-US" sz="3399">
                 <a:solidFill>
                   <a:srgbClr val="000000"/>
                 </a:solidFill>
-                <a:latin typeface="Canva Sans"/>
-              </a:rPr>
-              <a:t>Standardized</a:t>
-            </a:r>
-            <a:r>
-              <a:rPr lang="en-US" sz="3399">
-                <a:solidFill>
-                  <a:srgbClr val="000000"/>
-                </a:solidFill>
                 <a:latin typeface="Canva Sans Bold"/>
               </a:rPr>
-              <a:t> Data Exchange Protocols</a:t>
-            </a:r>
-            <a:r>
-              <a:rPr lang="en-US" sz="3399">
-                <a:solidFill>
-                  <a:srgbClr val="000000"/>
-                </a:solidFill>
-                <a:latin typeface="Canva Sans"/>
-              </a:rPr>
-              <a:t>.</a:t>
-            </a:r>
-          </a:p>
-          <a:p>
-            <a:pPr algn="just">
-              <a:lnSpc>
-                <a:spcPts val="4759"/>
-              </a:lnSpc>
-            </a:pPr>
-            <a:endParaRPr lang="en-US" sz="3399">
-              <a:solidFill>
-                <a:srgbClr val="000000"/>
-              </a:solidFill>
-              <a:latin typeface="Canva Sans"/>
-            </a:endParaRPr>
+              <a:t>AWS, Azure, or Google Cloud.</a:t>
+            </a:r>
           </a:p>
         </p:txBody>
       </p:sp>
@@ -4875,8 +4679,8 @@
         </p:nvSpPr>
         <p:spPr>
           <a:xfrm>
-            <a:off x="7442844" y="2055858"/>
-            <a:ext cx="4150899" cy="903605"/>
+            <a:off x="6032498" y="2027283"/>
+            <a:ext cx="7251812" cy="903605"/>
           </a:xfrm>
           <a:prstGeom prst="rect">
             <a:avLst/>
@@ -4900,7 +4704,7 @@
                 </a:solidFill>
                 <a:latin typeface="Canva Sans Bold"/>
               </a:rPr>
-              <a:t>Conclusion</a:t>
+              <a:t>Benefits and Impact</a:t>
             </a:r>
           </a:p>
         </p:txBody>
@@ -4913,8 +4717,8 @@
         </p:nvSpPr>
         <p:spPr>
           <a:xfrm>
-            <a:off x="1494880" y="3550013"/>
-            <a:ext cx="15764420" cy="3909695"/>
+            <a:off x="1755999" y="3259526"/>
+            <a:ext cx="15804808" cy="4578305"/>
           </a:xfrm>
           <a:prstGeom prst="rect">
             <a:avLst/>
@@ -4934,22 +4738,13 @@
               <a:buChar char="•"/>
             </a:pPr>
             <a:r>
-              <a:rPr lang="en-US" sz="3200">
+              <a:rPr lang="en-US" sz="3200" dirty="0">
                 <a:solidFill>
                   <a:srgbClr val="000000"/>
                 </a:solidFill>
-                <a:latin typeface="Canva Sans Bold"/>
-              </a:rPr>
-              <a:t>Significance of the Missing Person Detection System:</a:t>
-            </a:r>
-            <a:r>
-              <a:rPr lang="en-US" sz="3200">
-                <a:solidFill>
-                  <a:srgbClr val="000000"/>
-                </a:solidFill>
                 <a:latin typeface="Canva Sans"/>
               </a:rPr>
-              <a:t> Revolutionizing the search for missing individuals.</a:t>
+              <a:t>Increased crop yields through personalized recommendations.</a:t>
             </a:r>
           </a:p>
           <a:p>
@@ -4961,22 +4756,13 @@
               <a:buChar char="•"/>
             </a:pPr>
             <a:r>
-              <a:rPr lang="en-US" sz="3200">
+              <a:rPr lang="en-US" sz="3200" dirty="0">
                 <a:solidFill>
                   <a:srgbClr val="000000"/>
                 </a:solidFill>
-                <a:latin typeface="Canva Sans Bold"/>
-              </a:rPr>
-              <a:t>Potential for Saving Lives:</a:t>
-            </a:r>
-            <a:r>
-              <a:rPr lang="en-US" sz="3200">
-                <a:solidFill>
-                  <a:srgbClr val="000000"/>
-                </a:solidFill>
                 <a:latin typeface="Canva Sans"/>
               </a:rPr>
-              <a:t> Timely identification and rescue of missing persons.</a:t>
+              <a:t>Enhanced pest management leading to reduced crop losses.</a:t>
             </a:r>
           </a:p>
           <a:p>
@@ -4988,36 +4774,104 @@
               <a:buChar char="•"/>
             </a:pPr>
             <a:r>
-              <a:rPr lang="en-US" sz="3200">
+              <a:rPr lang="en-US" sz="3200" dirty="0">
                 <a:solidFill>
                   <a:srgbClr val="000000"/>
                 </a:solidFill>
-                <a:latin typeface="Canva Sans Bold"/>
-              </a:rPr>
-              <a:t>Contribution to Society:</a:t>
-            </a:r>
-            <a:r>
-              <a:rPr lang="en-US" sz="3200">
+                <a:latin typeface="Canva Sans"/>
+              </a:rPr>
+              <a:t>Improved soil fertility with optimized fertilizer usage.</a:t>
+            </a:r>
+          </a:p>
+          <a:p>
+            <a:pPr marL="690881" lvl="1" indent="-345440" algn="just">
+              <a:lnSpc>
+                <a:spcPts val="4480"/>
+              </a:lnSpc>
+              <a:buFont typeface="Arial"/>
+              <a:buChar char="•"/>
+            </a:pPr>
+            <a:r>
+              <a:rPr lang="en-US" sz="3200" dirty="0">
                 <a:solidFill>
                   <a:srgbClr val="000000"/>
                 </a:solidFill>
                 <a:latin typeface="Canva Sans"/>
               </a:rPr>
-              <a:t> Enhancing public safety and reducing anxiety among families of missing persons.</a:t>
-            </a:r>
-          </a:p>
-          <a:p>
-            <a:pPr algn="just">
+              <a:t>Access to real-time market statistics for informed decision-making.</a:t>
+            </a:r>
+          </a:p>
+          <a:p>
+            <a:pPr marL="690881" lvl="1" indent="-345440" algn="just">
               <a:lnSpc>
                 <a:spcPts val="4480"/>
               </a:lnSpc>
-            </a:pPr>
-            <a:endParaRPr lang="en-US" sz="3200">
-              <a:solidFill>
-                <a:srgbClr val="000000"/>
-              </a:solidFill>
-              <a:latin typeface="Canva Sans"/>
-            </a:endParaRPr>
+              <a:buFont typeface="Arial"/>
+              <a:buChar char="•"/>
+            </a:pPr>
+            <a:r>
+              <a:rPr lang="en-US" sz="3200" dirty="0">
+                <a:solidFill>
+                  <a:srgbClr val="000000"/>
+                </a:solidFill>
+                <a:latin typeface="Canva Sans"/>
+              </a:rPr>
+              <a:t>Multilingual support for wider accessibility among farmers.</a:t>
+            </a:r>
+          </a:p>
+          <a:p>
+            <a:pPr marL="690881" lvl="1" indent="-345440" algn="just">
+              <a:lnSpc>
+                <a:spcPts val="4480"/>
+              </a:lnSpc>
+              <a:buFont typeface="Arial"/>
+              <a:buChar char="•"/>
+            </a:pPr>
+            <a:r>
+              <a:rPr lang="en-US" sz="3200" dirty="0">
+                <a:solidFill>
+                  <a:srgbClr val="000000"/>
+                </a:solidFill>
+                <a:latin typeface="Canva Sans"/>
+              </a:rPr>
+              <a:t>Convenient fertilizer shop locator for easy procurement.</a:t>
+            </a:r>
+          </a:p>
+          <a:p>
+            <a:pPr marL="690881" lvl="1" indent="-345440" algn="just">
+              <a:lnSpc>
+                <a:spcPts val="4480"/>
+              </a:lnSpc>
+              <a:buFont typeface="Arial"/>
+              <a:buChar char="•"/>
+            </a:pPr>
+            <a:r>
+              <a:rPr lang="en-US" sz="3200" dirty="0">
+                <a:solidFill>
+                  <a:srgbClr val="000000"/>
+                </a:solidFill>
+                <a:latin typeface="Canva Sans"/>
+              </a:rPr>
+              <a:t>Empowerment of farmers through comprehensive agricultural assistance.</a:t>
+            </a:r>
+          </a:p>
+          <a:p>
+            <a:pPr marL="690881" lvl="1" indent="-345440" algn="just">
+              <a:lnSpc>
+                <a:spcPts val="4480"/>
+              </a:lnSpc>
+              <a:buFont typeface="Arial"/>
+              <a:buChar char="•"/>
+            </a:pPr>
+            <a:r>
+              <a:rPr lang="en-US" sz="3200" dirty="0">
+                <a:solidFill>
+                  <a:srgbClr val="000000"/>
+                </a:solidFill>
+                <a:latin typeface="Canva Sans"/>
+              </a:rPr>
+              <a:t>Future scalability with integration of IoT and blockchain technologies.</a:t>
+            </a:r>
           </a:p>
         </p:txBody>
       </p:sp>
@@ -5262,8 +5116,8 @@
         </p:nvSpPr>
         <p:spPr>
           <a:xfrm>
-            <a:off x="2828155" y="3782998"/>
-            <a:ext cx="12940473" cy="2660893"/>
+            <a:off x="5305916" y="2027283"/>
+            <a:ext cx="8802268" cy="903605"/>
           </a:xfrm>
           <a:prstGeom prst="rect">
             <a:avLst/>
@@ -5277,36 +5131,239 @@
           <a:p>
             <a:pPr algn="ctr">
               <a:lnSpc>
-                <a:spcPts val="21761"/>
-              </a:lnSpc>
-            </a:pPr>
-            <a:r>
-              <a:rPr lang="en-US" sz="15544" u="sng">
-                <a:solidFill>
-                  <a:srgbClr val="141583"/>
+                <a:spcPts val="7419"/>
+              </a:lnSpc>
+            </a:pPr>
+            <a:r>
+              <a:rPr lang="en-US" sz="5299" u="sng">
+                <a:solidFill>
+                  <a:srgbClr val="0003FF"/>
                 </a:solidFill>
                 <a:latin typeface="Canva Sans Bold"/>
               </a:rPr>
-              <a:t>THANK</a:t>
-            </a:r>
-            <a:r>
-              <a:rPr lang="en-US" sz="15544">
+              <a:t>Challenges</a:t>
+            </a:r>
+            <a:r>
+              <a:rPr lang="en-US" sz="5299">
+                <a:solidFill>
+                  <a:srgbClr val="0003FF"/>
+                </a:solidFill>
+                <a:latin typeface="Canva Sans Bold"/>
+              </a:rPr>
+              <a:t> </a:t>
+            </a:r>
+            <a:r>
+              <a:rPr lang="en-US" sz="5299" u="sng">
+                <a:solidFill>
+                  <a:srgbClr val="0003FF"/>
+                </a:solidFill>
+                <a:latin typeface="Canva Sans Bold"/>
+              </a:rPr>
+              <a:t>&amp;</a:t>
+            </a:r>
+            <a:r>
+              <a:rPr lang="en-US" sz="5299">
+                <a:solidFill>
+                  <a:srgbClr val="0003FF"/>
+                </a:solidFill>
+                <a:latin typeface="Canva Sans Bold"/>
+              </a:rPr>
+              <a:t> </a:t>
+            </a:r>
+            <a:r>
+              <a:rPr lang="en-US" sz="5299" u="sng">
+                <a:solidFill>
+                  <a:srgbClr val="0003FF"/>
+                </a:solidFill>
+                <a:latin typeface="Canva Sans Bold"/>
+              </a:rPr>
+              <a:t>Mitigations </a:t>
+            </a:r>
+          </a:p>
+        </p:txBody>
+      </p:sp>
+      <p:sp>
+        <p:nvSpPr>
+          <p:cNvPr id="9" name="TextBox 9"/>
+          <p:cNvSpPr txBox="1"/>
+          <p:nvPr/>
+        </p:nvSpPr>
+        <p:spPr>
+          <a:xfrm>
+            <a:off x="1028700" y="3102338"/>
+            <a:ext cx="16954857" cy="5498621"/>
+          </a:xfrm>
+          <a:prstGeom prst="rect">
+            <a:avLst/>
+          </a:prstGeom>
+        </p:spPr>
+        <p:txBody>
+          <a:bodyPr lIns="0" tIns="0" rIns="0" bIns="0" rtlCol="0" anchor="t">
+            <a:spAutoFit/>
+          </a:bodyPr>
+          <a:lstStyle/>
+          <a:p>
+            <a:pPr marL="734059" lvl="1" indent="-367030" algn="just">
+              <a:lnSpc>
+                <a:spcPts val="4759"/>
+              </a:lnSpc>
+              <a:buFont typeface="Arial"/>
+              <a:buChar char="•"/>
+            </a:pPr>
+            <a:r>
+              <a:rPr lang="en-US" sz="3399" dirty="0" err="1">
                 <a:solidFill>
                   <a:srgbClr val="000000"/>
                 </a:solidFill>
                 <a:latin typeface="Canva Sans Bold"/>
               </a:rPr>
-              <a:t> </a:t>
-            </a:r>
-            <a:r>
-              <a:rPr lang="en-US" sz="15544" u="sng">
-                <a:solidFill>
-                  <a:srgbClr val="FFF500"/>
-                </a:solidFill>
-                <a:latin typeface="Canva Sans Bold"/>
-              </a:rPr>
-              <a:t>YOU!!</a:t>
-            </a:r>
+              <a:t>Challanges</a:t>
+            </a:r>
+            <a:endParaRPr lang="en-US" sz="3399" dirty="0">
+              <a:solidFill>
+                <a:srgbClr val="000000"/>
+              </a:solidFill>
+              <a:latin typeface="Canva Sans Bold"/>
+            </a:endParaRPr>
+          </a:p>
+          <a:p>
+            <a:pPr marL="1468119" lvl="2" indent="-489373" algn="just">
+              <a:lnSpc>
+                <a:spcPts val="4759"/>
+              </a:lnSpc>
+              <a:buFont typeface="Arial"/>
+              <a:buChar char="⚬"/>
+            </a:pPr>
+            <a:r>
+              <a:rPr lang="en-US" sz="2800" dirty="0">
+                <a:solidFill>
+                  <a:srgbClr val="000000"/>
+                </a:solidFill>
+                <a:latin typeface="Canva Sans" panose="020B0604020202020204" charset="0"/>
+              </a:rPr>
+              <a:t>Limited technological literacy among farmers.</a:t>
+            </a:r>
+          </a:p>
+          <a:p>
+            <a:pPr marL="1468119" lvl="2" indent="-489373" algn="just">
+              <a:lnSpc>
+                <a:spcPts val="4759"/>
+              </a:lnSpc>
+              <a:buFont typeface="Arial"/>
+              <a:buChar char="⚬"/>
+            </a:pPr>
+            <a:r>
+              <a:rPr lang="en-US" sz="2800" dirty="0">
+                <a:solidFill>
+                  <a:srgbClr val="000000"/>
+                </a:solidFill>
+                <a:latin typeface="Canva Sans" panose="020B0604020202020204" charset="0"/>
+              </a:rPr>
+              <a:t>Variability in regional agricultural practices and requirements.</a:t>
+            </a:r>
+          </a:p>
+          <a:p>
+            <a:pPr marL="1468119" lvl="2" indent="-489373" algn="just">
+              <a:lnSpc>
+                <a:spcPts val="4759"/>
+              </a:lnSpc>
+              <a:buFont typeface="Arial"/>
+              <a:buChar char="⚬"/>
+            </a:pPr>
+            <a:r>
+              <a:rPr lang="en-US" sz="2800" dirty="0">
+                <a:solidFill>
+                  <a:srgbClr val="000000"/>
+                </a:solidFill>
+                <a:latin typeface="Canva Sans" panose="020B0604020202020204" charset="0"/>
+              </a:rPr>
+              <a:t>Data accuracy and reliability in rural areas.</a:t>
+            </a:r>
+          </a:p>
+          <a:p>
+            <a:pPr marL="1468119" lvl="2" indent="-489373" algn="just">
+              <a:lnSpc>
+                <a:spcPts val="4759"/>
+              </a:lnSpc>
+              <a:buFont typeface="Arial"/>
+              <a:buChar char="⚬"/>
+            </a:pPr>
+            <a:r>
+              <a:rPr lang="en-US" sz="2800" dirty="0">
+                <a:solidFill>
+                  <a:srgbClr val="000000"/>
+                </a:solidFill>
+                <a:latin typeface="Canva Sans" panose="020B0604020202020204" charset="0"/>
+              </a:rPr>
+              <a:t>Accessibility to internet connectivity and mobile devices.</a:t>
+            </a:r>
+          </a:p>
+          <a:p>
+            <a:pPr marL="1468119" lvl="2" indent="-489373" algn="just">
+              <a:lnSpc>
+                <a:spcPts val="4759"/>
+              </a:lnSpc>
+              <a:buFont typeface="Arial"/>
+              <a:buChar char="⚬"/>
+            </a:pPr>
+            <a:r>
+              <a:rPr lang="en-US" sz="2800" dirty="0">
+                <a:solidFill>
+                  <a:srgbClr val="000000"/>
+                </a:solidFill>
+                <a:latin typeface="Canva Sans" panose="020B0604020202020204" charset="0"/>
+              </a:rPr>
+              <a:t>Resistance to change from traditional farming methods.</a:t>
+            </a:r>
+          </a:p>
+          <a:p>
+            <a:pPr marL="1468119" lvl="2" indent="-489373" algn="just">
+              <a:lnSpc>
+                <a:spcPts val="4759"/>
+              </a:lnSpc>
+              <a:buFont typeface="Arial"/>
+              <a:buChar char="⚬"/>
+            </a:pPr>
+            <a:r>
+              <a:rPr lang="en-US" sz="2800" dirty="0">
+                <a:solidFill>
+                  <a:srgbClr val="000000"/>
+                </a:solidFill>
+                <a:latin typeface="Canva Sans" panose="020B0604020202020204" charset="0"/>
+              </a:rPr>
+              <a:t>Integration of diverse data sources for accurate predictions.</a:t>
+            </a:r>
+          </a:p>
+          <a:p>
+            <a:pPr marL="1468119" lvl="2" indent="-489373" algn="just">
+              <a:lnSpc>
+                <a:spcPts val="4759"/>
+              </a:lnSpc>
+              <a:buFont typeface="Arial"/>
+              <a:buChar char="⚬"/>
+            </a:pPr>
+            <a:r>
+              <a:rPr lang="en-US" sz="2800" dirty="0">
+                <a:solidFill>
+                  <a:srgbClr val="000000"/>
+                </a:solidFill>
+                <a:latin typeface="Canva Sans" panose="020B0604020202020204" charset="0"/>
+              </a:rPr>
+              <a:t>Ensuring affordability and sustainability of recommended practices.</a:t>
+            </a:r>
+          </a:p>
+          <a:p>
+            <a:pPr algn="just">
+              <a:lnSpc>
+                <a:spcPts val="4759"/>
+              </a:lnSpc>
+            </a:pPr>
+            <a:endParaRPr lang="en-US" sz="3399" dirty="0">
+              <a:solidFill>
+                <a:srgbClr val="000000"/>
+              </a:solidFill>
+              <a:latin typeface="Canva Sans"/>
+            </a:endParaRPr>
           </a:p>
         </p:txBody>
       </p:sp>
@@ -5318,7 +5375,7 @@
 </p:sld>
 </file>
 
-<file path=ppt/slides/slide2.xml><?xml version="1.0" encoding="utf-8"?>
+<file path=ppt/slides/slide14.xml><?xml version="1.0" encoding="utf-8"?>
 <p:sld xmlns:a="http://schemas.openxmlformats.org/drawingml/2006/main" xmlns:r="http://schemas.openxmlformats.org/officeDocument/2006/relationships" xmlns:p="http://schemas.openxmlformats.org/presentationml/2006/main">
   <p:cSld>
     <p:spTree>
@@ -5466,55 +5523,44 @@
       </p:grpSp>
       <p:sp>
         <p:nvSpPr>
-          <p:cNvPr id="6" name="Freeform 6"/>
-          <p:cNvSpPr/>
+          <p:cNvPr id="6" name="TextBox 6"/>
+          <p:cNvSpPr txBox="1"/>
           <p:nvPr/>
         </p:nvSpPr>
         <p:spPr>
           <a:xfrm>
-            <a:off x="11195102" y="3641750"/>
-            <a:ext cx="5922748" cy="4652049"/>
-          </a:xfrm>
-          <a:custGeom>
+            <a:off x="7610850" y="168081"/>
+            <a:ext cx="5189697" cy="537844"/>
+          </a:xfrm>
+          <a:prstGeom prst="rect">
             <a:avLst/>
-            <a:gdLst/>
-            <a:ahLst/>
-            <a:cxnLst/>
-            <a:rect l="l" t="t" r="r" b="b"/>
-            <a:pathLst>
-              <a:path w="5922748" h="4652049">
-                <a:moveTo>
-                  <a:pt x="0" y="0"/>
-                </a:moveTo>
-                <a:lnTo>
-                  <a:pt x="5922748" y="0"/>
-                </a:lnTo>
-                <a:lnTo>
-                  <a:pt x="5922748" y="4652050"/>
-                </a:lnTo>
-                <a:lnTo>
-                  <a:pt x="0" y="4652050"/>
-                </a:lnTo>
-                <a:lnTo>
-                  <a:pt x="0" y="0"/>
-                </a:lnTo>
-                <a:close/>
-              </a:path>
-            </a:pathLst>
-          </a:custGeom>
-          <a:blipFill>
-            <a:blip r:embed="rId3">
-              <a:extLst>
-                <a:ext uri="{96DAC541-7B7A-43D3-8B79-37D633B846F1}">
-                  <asvg:svgBlip xmlns:asvg="http://schemas.microsoft.com/office/drawing/2016/SVG/main" r:embed="rId4"/>
-                </a:ext>
-              </a:extLst>
-            </a:blip>
-            <a:stretch>
-              <a:fillRect/>
-            </a:stretch>
-          </a:blipFill>
-        </p:spPr>
+          </a:prstGeom>
+        </p:spPr>
+        <p:txBody>
+          <a:bodyPr lIns="0" tIns="0" rIns="0" bIns="0" rtlCol="0" anchor="t">
+            <a:spAutoFit/>
+          </a:bodyPr>
+          <a:lstStyle/>
+          <a:p>
+            <a:pPr marL="0" lvl="0" indent="0" algn="ctr">
+              <a:lnSpc>
+                <a:spcPts val="4480"/>
+              </a:lnSpc>
+              <a:spcBef>
+                <a:spcPct val="0"/>
+              </a:spcBef>
+            </a:pPr>
+            <a:r>
+              <a:rPr lang="en-US" sz="3200">
+                <a:solidFill>
+                  <a:srgbClr val="FFFFFF"/>
+                </a:solidFill>
+                <a:latin typeface="Canva Sans Bold"/>
+              </a:rPr>
+              <a:t>A Project Presentation on </a:t>
+            </a:r>
+          </a:p>
+        </p:txBody>
       </p:sp>
       <p:sp>
         <p:nvSpPr>
@@ -5524,8 +5570,8 @@
         </p:nvSpPr>
         <p:spPr>
           <a:xfrm>
-            <a:off x="7610850" y="168081"/>
-            <a:ext cx="5189697" cy="537844"/>
+            <a:off x="6032498" y="870766"/>
+            <a:ext cx="8346400" cy="646429"/>
           </a:xfrm>
           <a:prstGeom prst="rect">
             <a:avLst/>
@@ -5537,22 +5583,19 @@
           </a:bodyPr>
           <a:lstStyle/>
           <a:p>
-            <a:pPr marL="0" lvl="0" indent="0" algn="ctr">
-              <a:lnSpc>
-                <a:spcPts val="4480"/>
-              </a:lnSpc>
-              <a:spcBef>
-                <a:spcPct val="0"/>
-              </a:spcBef>
-            </a:pPr>
-            <a:r>
-              <a:rPr lang="en-US" sz="3200">
-                <a:solidFill>
-                  <a:srgbClr val="FFFFFF"/>
+            <a:pPr algn="ctr">
+              <a:lnSpc>
+                <a:spcPts val="5320"/>
+              </a:lnSpc>
+            </a:pPr>
+            <a:r>
+              <a:rPr lang="en-US" sz="3800">
+                <a:solidFill>
+                  <a:srgbClr val="FFF500"/>
                 </a:solidFill>
                 <a:latin typeface="Canva Sans Bold"/>
               </a:rPr>
-              <a:t>A Project Presentation on </a:t>
+              <a:t>“Missing Person Detection System”</a:t>
             </a:r>
           </a:p>
         </p:txBody>
@@ -5565,8 +5608,8 @@
         </p:nvSpPr>
         <p:spPr>
           <a:xfrm>
-            <a:off x="6032498" y="870766"/>
-            <a:ext cx="8346400" cy="646429"/>
+            <a:off x="5305916" y="2027283"/>
+            <a:ext cx="8802268" cy="903605"/>
           </a:xfrm>
           <a:prstGeom prst="rect">
             <a:avLst/>
@@ -5580,17 +5623,53 @@
           <a:p>
             <a:pPr algn="ctr">
               <a:lnSpc>
-                <a:spcPts val="5320"/>
-              </a:lnSpc>
-            </a:pPr>
-            <a:r>
-              <a:rPr lang="en-US" sz="3800">
-                <a:solidFill>
-                  <a:srgbClr val="FFF500"/>
+                <a:spcPts val="7419"/>
+              </a:lnSpc>
+            </a:pPr>
+            <a:r>
+              <a:rPr lang="en-US" sz="5299" u="sng">
+                <a:solidFill>
+                  <a:srgbClr val="0003FF"/>
                 </a:solidFill>
                 <a:latin typeface="Canva Sans Bold"/>
               </a:rPr>
-              <a:t>“Missing Person Detection System”</a:t>
+              <a:t>Challenges</a:t>
+            </a:r>
+            <a:r>
+              <a:rPr lang="en-US" sz="5299">
+                <a:solidFill>
+                  <a:srgbClr val="0003FF"/>
+                </a:solidFill>
+                <a:latin typeface="Canva Sans Bold"/>
+              </a:rPr>
+              <a:t> </a:t>
+            </a:r>
+            <a:r>
+              <a:rPr lang="en-US" sz="5299" u="sng">
+                <a:solidFill>
+                  <a:srgbClr val="0003FF"/>
+                </a:solidFill>
+                <a:latin typeface="Canva Sans Bold"/>
+              </a:rPr>
+              <a:t>&amp;</a:t>
+            </a:r>
+            <a:r>
+              <a:rPr lang="en-US" sz="5299">
+                <a:solidFill>
+                  <a:srgbClr val="0003FF"/>
+                </a:solidFill>
+                <a:latin typeface="Canva Sans Bold"/>
+              </a:rPr>
+              <a:t> </a:t>
+            </a:r>
+            <a:r>
+              <a:rPr lang="en-US" sz="5299" u="sng">
+                <a:solidFill>
+                  <a:srgbClr val="0003FF"/>
+                </a:solidFill>
+                <a:latin typeface="Canva Sans Bold"/>
+              </a:rPr>
+              <a:t>Mitigations </a:t>
             </a:r>
           </a:p>
         </p:txBody>
@@ -5603,8 +5682,8 @@
         </p:nvSpPr>
         <p:spPr>
           <a:xfrm>
-            <a:off x="7442844" y="2055858"/>
-            <a:ext cx="4150899" cy="903605"/>
+            <a:off x="1028700" y="3102338"/>
+            <a:ext cx="16954857" cy="6114174"/>
           </a:xfrm>
           <a:prstGeom prst="rect">
             <a:avLst/>
@@ -5616,208 +5695,170 @@
           </a:bodyPr>
           <a:lstStyle/>
           <a:p>
-            <a:pPr algn="ctr">
-              <a:lnSpc>
-                <a:spcPts val="7419"/>
-              </a:lnSpc>
-            </a:pPr>
-            <a:r>
-              <a:rPr lang="en-US" sz="5299" u="sng">
-                <a:solidFill>
-                  <a:srgbClr val="0003FF"/>
+            <a:pPr marL="978746" lvl="2" algn="just">
+              <a:lnSpc>
+                <a:spcPts val="4759"/>
+              </a:lnSpc>
+            </a:pPr>
+            <a:r>
+              <a:rPr lang="en-US" sz="3399" dirty="0">
+                <a:solidFill>
+                  <a:srgbClr val="000000"/>
                 </a:solidFill>
                 <a:latin typeface="Canva Sans Bold"/>
               </a:rPr>
-              <a:t>Outline</a:t>
-            </a:r>
-          </a:p>
-        </p:txBody>
-      </p:sp>
-      <p:sp>
-        <p:nvSpPr>
-          <p:cNvPr id="10" name="TextBox 10"/>
-          <p:cNvSpPr txBox="1"/>
-          <p:nvPr/>
-        </p:nvSpPr>
-        <p:spPr>
-          <a:xfrm>
-            <a:off x="1646082" y="3130913"/>
-            <a:ext cx="7872212" cy="5549899"/>
-          </a:xfrm>
-          <a:prstGeom prst="rect">
-            <a:avLst/>
-          </a:prstGeom>
-        </p:spPr>
-        <p:txBody>
-          <a:bodyPr lIns="0" tIns="0" rIns="0" bIns="0" rtlCol="0" anchor="t">
-            <a:spAutoFit/>
-          </a:bodyPr>
-          <a:lstStyle/>
-          <a:p>
-            <a:pPr marL="755659" lvl="1" indent="-377829" algn="just">
-              <a:lnSpc>
-                <a:spcPts val="4900"/>
-              </a:lnSpc>
-              <a:buFont typeface="Arial"/>
-              <a:buChar char="•"/>
-            </a:pPr>
-            <a:r>
-              <a:rPr lang="en-US" sz="3500">
+              <a:t>Mitigations</a:t>
+            </a:r>
+          </a:p>
+          <a:p>
+            <a:pPr marL="978746" lvl="2" algn="just">
+              <a:lnSpc>
+                <a:spcPts val="4759"/>
+              </a:lnSpc>
+            </a:pPr>
+            <a:r>
+              <a:rPr lang="en-US" sz="2800" dirty="0">
                 <a:solidFill>
                   <a:srgbClr val="000000"/>
                 </a:solidFill>
-                <a:latin typeface="Canva Sans Bold"/>
-              </a:rPr>
-              <a:t>Introduction</a:t>
-            </a:r>
-          </a:p>
-          <a:p>
-            <a:pPr marL="755659" lvl="1" indent="-377829" algn="just">
-              <a:lnSpc>
-                <a:spcPts val="4900"/>
-              </a:lnSpc>
-              <a:buFont typeface="Arial"/>
-              <a:buChar char="•"/>
-            </a:pPr>
-            <a:r>
-              <a:rPr lang="en-US" sz="3500">
+                <a:latin typeface="Canva Sans" panose="020B0604020202020204" charset="0"/>
+              </a:rPr>
+              <a:t>Conducting farmer training programs on technology usage.</a:t>
+            </a:r>
+          </a:p>
+          <a:p>
+            <a:pPr marL="978746" lvl="2" algn="just">
+              <a:lnSpc>
+                <a:spcPts val="4759"/>
+              </a:lnSpc>
+            </a:pPr>
+            <a:r>
+              <a:rPr lang="en-US" sz="2800" dirty="0">
                 <a:solidFill>
                   <a:srgbClr val="000000"/>
                 </a:solidFill>
-                <a:latin typeface="Canva Sans Bold"/>
-              </a:rPr>
-              <a:t>Project Overview</a:t>
-            </a:r>
-          </a:p>
-          <a:p>
-            <a:pPr marL="755659" lvl="1" indent="-377829" algn="just">
-              <a:lnSpc>
-                <a:spcPts val="4900"/>
-              </a:lnSpc>
-              <a:buFont typeface="Arial"/>
-              <a:buChar char="•"/>
-            </a:pPr>
-            <a:r>
-              <a:rPr lang="en-US" sz="3500">
+                <a:latin typeface="Canva Sans" panose="020B0604020202020204" charset="0"/>
+              </a:rPr>
+              <a:t>Customizing recommendations based on regional conditions.</a:t>
+            </a:r>
+          </a:p>
+          <a:p>
+            <a:pPr marL="978746" lvl="2" algn="just">
+              <a:lnSpc>
+                <a:spcPts val="4759"/>
+              </a:lnSpc>
+            </a:pPr>
+            <a:r>
+              <a:rPr lang="en-US" sz="2800" dirty="0">
                 <a:solidFill>
                   <a:srgbClr val="000000"/>
                 </a:solidFill>
-                <a:latin typeface="Canva Sans Bold"/>
-              </a:rPr>
-              <a:t>Technology Stack</a:t>
-            </a:r>
-          </a:p>
-          <a:p>
-            <a:pPr marL="755659" lvl="1" indent="-377829" algn="just">
-              <a:lnSpc>
-                <a:spcPts val="4900"/>
-              </a:lnSpc>
-              <a:buFont typeface="Arial"/>
-              <a:buChar char="•"/>
-            </a:pPr>
-            <a:r>
-              <a:rPr lang="en-US" sz="3500">
+                <a:latin typeface="Canva Sans" panose="020B0604020202020204" charset="0"/>
+              </a:rPr>
+              <a:t>Implementing data validation mechanisms and feedback loops.</a:t>
+            </a:r>
+          </a:p>
+          <a:p>
+            <a:pPr marL="978746" lvl="2" algn="just">
+              <a:lnSpc>
+                <a:spcPts val="4759"/>
+              </a:lnSpc>
+            </a:pPr>
+            <a:r>
+              <a:rPr lang="en-US" sz="2800" dirty="0">
                 <a:solidFill>
                   <a:srgbClr val="000000"/>
                 </a:solidFill>
-                <a:latin typeface="Canva Sans Bold"/>
-              </a:rPr>
-              <a:t>System Design</a:t>
-            </a:r>
-          </a:p>
-          <a:p>
-            <a:pPr marL="755659" lvl="1" indent="-377829" algn="just">
-              <a:lnSpc>
-                <a:spcPts val="4900"/>
-              </a:lnSpc>
-              <a:buFont typeface="Arial"/>
-              <a:buChar char="•"/>
-            </a:pPr>
-            <a:r>
-              <a:rPr lang="en-US" sz="3500">
+                <a:latin typeface="Canva Sans" panose="020B0604020202020204" charset="0"/>
+              </a:rPr>
+              <a:t>Developing offline functionalities for remote areas.</a:t>
+            </a:r>
+          </a:p>
+          <a:p>
+            <a:pPr marL="978746" lvl="2" algn="just">
+              <a:lnSpc>
+                <a:spcPts val="4759"/>
+              </a:lnSpc>
+            </a:pPr>
+            <a:r>
+              <a:rPr lang="en-US" sz="2800" dirty="0">
                 <a:solidFill>
                   <a:srgbClr val="000000"/>
                 </a:solidFill>
-                <a:latin typeface="Canva Sans Bold"/>
-              </a:rPr>
-              <a:t>Future Scope</a:t>
-            </a:r>
-          </a:p>
-          <a:p>
-            <a:pPr marL="755659" lvl="1" indent="-377829" algn="just">
-              <a:lnSpc>
-                <a:spcPts val="4900"/>
-              </a:lnSpc>
-              <a:buFont typeface="Arial"/>
-              <a:buChar char="•"/>
-            </a:pPr>
-            <a:r>
-              <a:rPr lang="en-US" sz="3500">
+                <a:latin typeface="Canva Sans" panose="020B0604020202020204" charset="0"/>
+              </a:rPr>
+              <a:t>Providing incentives and education for adopting new practices.</a:t>
+            </a:r>
+          </a:p>
+          <a:p>
+            <a:pPr marL="978746" lvl="2" algn="just">
+              <a:lnSpc>
+                <a:spcPts val="4759"/>
+              </a:lnSpc>
+            </a:pPr>
+            <a:r>
+              <a:rPr lang="en-US" sz="2800" dirty="0">
                 <a:solidFill>
                   <a:srgbClr val="000000"/>
                 </a:solidFill>
-                <a:latin typeface="Canva Sans Bold"/>
-              </a:rPr>
-              <a:t>Benefits and Impact</a:t>
-            </a:r>
-          </a:p>
-          <a:p>
-            <a:pPr marL="755659" lvl="1" indent="-377829" algn="just">
-              <a:lnSpc>
-                <a:spcPts val="4900"/>
-              </a:lnSpc>
-              <a:buFont typeface="Arial"/>
-              <a:buChar char="•"/>
-            </a:pPr>
-            <a:r>
-              <a:rPr lang="en-US" sz="3500">
+                <a:latin typeface="Canva Sans" panose="020B0604020202020204" charset="0"/>
+              </a:rPr>
+              <a:t>Collaborating with agricultural research institutes for data validation.</a:t>
+            </a:r>
+          </a:p>
+          <a:p>
+            <a:pPr marL="978746" lvl="2" algn="just">
+              <a:lnSpc>
+                <a:spcPts val="4759"/>
+              </a:lnSpc>
+            </a:pPr>
+            <a:r>
+              <a:rPr lang="en-US" sz="2800" dirty="0">
                 <a:solidFill>
                   <a:srgbClr val="000000"/>
                 </a:solidFill>
-                <a:latin typeface="Canva Sans Bold"/>
-              </a:rPr>
-              <a:t>Challenges and Mitigations</a:t>
-            </a:r>
-          </a:p>
-          <a:p>
-            <a:pPr marL="755659" lvl="1" indent="-377829" algn="just">
-              <a:lnSpc>
-                <a:spcPts val="4900"/>
-              </a:lnSpc>
-              <a:buFont typeface="Arial"/>
-              <a:buChar char="•"/>
-            </a:pPr>
-            <a:r>
-              <a:rPr lang="en-US" sz="3500">
+                <a:latin typeface="Canva Sans" panose="020B0604020202020204" charset="0"/>
+              </a:rPr>
+              <a:t>Offering subsidies and incentives for adoption of recommended practices.</a:t>
+            </a:r>
+          </a:p>
+          <a:p>
+            <a:pPr marL="978746" lvl="2" algn="just">
+              <a:lnSpc>
+                <a:spcPts val="4759"/>
+              </a:lnSpc>
+            </a:pPr>
+            <a:r>
+              <a:rPr lang="en-US" sz="2800" dirty="0">
                 <a:solidFill>
                   <a:srgbClr val="000000"/>
                 </a:solidFill>
-                <a:latin typeface="Canva Sans Bold"/>
-              </a:rPr>
-              <a:t>Conclusion</a:t>
-            </a:r>
-          </a:p>
-          <a:p>
-            <a:pPr marL="755659" lvl="1" indent="-377829" algn="just">
-              <a:lnSpc>
-                <a:spcPts val="4900"/>
-              </a:lnSpc>
-              <a:buFont typeface="Arial"/>
-              <a:buChar char="•"/>
-            </a:pPr>
-            <a:r>
-              <a:rPr lang="en-US" sz="3500">
-                <a:solidFill>
-                  <a:srgbClr val="000000"/>
-                </a:solidFill>
-                <a:latin typeface="Canva Sans Bold"/>
-              </a:rPr>
-              <a:t>Q&amp;A</a:t>
-            </a:r>
+                <a:latin typeface="Canva Sans" panose="020B0604020202020204" charset="0"/>
+              </a:rPr>
+              <a:t>Continuous monitoring and refinement of prediction models.</a:t>
+            </a:r>
+          </a:p>
+          <a:p>
+            <a:pPr algn="just">
+              <a:lnSpc>
+                <a:spcPts val="4759"/>
+              </a:lnSpc>
+            </a:pPr>
+            <a:endParaRPr lang="en-US" sz="3399" dirty="0">
+              <a:solidFill>
+                <a:srgbClr val="000000"/>
+              </a:solidFill>
+              <a:latin typeface="Canva Sans"/>
+            </a:endParaRPr>
           </a:p>
         </p:txBody>
       </p:sp>
     </p:spTree>
+    <p:extLst>
+      <p:ext uri="{BB962C8B-B14F-4D97-AF65-F5344CB8AC3E}">
+        <p14:creationId xmlns:p14="http://schemas.microsoft.com/office/powerpoint/2010/main" val="3639454497"/>
+      </p:ext>
+    </p:extLst>
   </p:cSld>
   <p:clrMapOvr>
     <a:masterClrMapping/>
@@ -5825,7 +5866,7 @@
 </p:sld>
 </file>
 
-<file path=ppt/slides/slide3.xml><?xml version="1.0" encoding="utf-8"?>
+<file path=ppt/slides/slide15.xml><?xml version="1.0" encoding="utf-8"?>
 <p:sld xmlns:a="http://schemas.openxmlformats.org/drawingml/2006/main" xmlns:r="http://schemas.openxmlformats.org/officeDocument/2006/relationships" xmlns:p="http://schemas.openxmlformats.org/presentationml/2006/main">
   <p:cSld>
     <p:spTree>
@@ -6058,8 +6099,8 @@
         </p:nvSpPr>
         <p:spPr>
           <a:xfrm>
-            <a:off x="7353119" y="1789158"/>
-            <a:ext cx="5046749" cy="903605"/>
+            <a:off x="7442844" y="2055858"/>
+            <a:ext cx="4150899" cy="903605"/>
           </a:xfrm>
           <a:prstGeom prst="rect">
             <a:avLst/>
@@ -6083,119 +6124,131 @@
                 </a:solidFill>
                 <a:latin typeface="Canva Sans Bold"/>
               </a:rPr>
-              <a:t>Introduction</a:t>
-            </a:r>
-          </a:p>
-        </p:txBody>
-      </p:sp>
-      <p:sp>
-        <p:nvSpPr>
-          <p:cNvPr id="9" name="TextBox 9"/>
+              <a:t>Conclusion</a:t>
+            </a:r>
+          </a:p>
+        </p:txBody>
+      </p:sp>
+      <p:sp>
+        <p:nvSpPr>
+          <p:cNvPr id="18" name="TextBox 17">
+            <a:extLst>
+              <a:ext uri="{FF2B5EF4-FFF2-40B4-BE49-F238E27FC236}">
+                <a16:creationId xmlns:a16="http://schemas.microsoft.com/office/drawing/2014/main" id="{55C96852-7DD2-0818-9EA7-15616208C31D}"/>
+              </a:ext>
+            </a:extLst>
+          </p:cNvPr>
           <p:cNvSpPr txBox="1"/>
           <p:nvPr/>
         </p:nvSpPr>
         <p:spPr>
           <a:xfrm>
-            <a:off x="1382800" y="3007088"/>
-            <a:ext cx="16020811" cy="5080635"/>
+            <a:off x="2123396" y="3543300"/>
+            <a:ext cx="15544800" cy="5262979"/>
           </a:xfrm>
           <a:prstGeom prst="rect">
             <a:avLst/>
           </a:prstGeom>
-        </p:spPr>
-        <p:txBody>
-          <a:bodyPr lIns="0" tIns="0" rIns="0" bIns="0" rtlCol="0" anchor="t">
+          <a:noFill/>
+        </p:spPr>
+        <p:txBody>
+          <a:bodyPr wrap="square" rtlCol="0">
             <a:spAutoFit/>
           </a:bodyPr>
           <a:lstStyle/>
           <a:p>
-            <a:pPr marL="777240" lvl="1" indent="-388620" algn="just">
-              <a:lnSpc>
-                <a:spcPts val="5040"/>
-              </a:lnSpc>
-              <a:buFont typeface="Arial"/>
+            <a:endParaRPr lang="en-US" sz="2800" dirty="0"/>
+          </a:p>
+          <a:p>
+            <a:pPr marL="457200" indent="-457200">
+              <a:buFont typeface="Arial" panose="020B0604020202020204" pitchFamily="34" charset="0"/>
               <a:buChar char="•"/>
             </a:pPr>
             <a:r>
-              <a:rPr lang="en-US" sz="3600">
-                <a:solidFill>
-                  <a:srgbClr val="000000"/>
-                </a:solidFill>
-                <a:latin typeface="Canva Sans"/>
-              </a:rPr>
-              <a:t>Every day, countless individuals, including children, youth, and the elderly, go missing in our society. </a:t>
-            </a:r>
-          </a:p>
-          <a:p>
-            <a:pPr marL="777240" lvl="1" indent="-388620" algn="just">
-              <a:lnSpc>
-                <a:spcPts val="5040"/>
-              </a:lnSpc>
-              <a:buFont typeface="Arial"/>
+              <a:rPr lang="en-US" sz="2800" dirty="0"/>
+              <a:t>Krishi </a:t>
+            </a:r>
+            <a:r>
+              <a:rPr lang="en-US" sz="2800" dirty="0" err="1"/>
+              <a:t>Sahayak</a:t>
+            </a:r>
+            <a:r>
+              <a:rPr lang="en-US" sz="2800" dirty="0"/>
+              <a:t> represents a transformative solution for the agricultural sector in India.</a:t>
+            </a:r>
+          </a:p>
+          <a:p>
+            <a:pPr marL="457200" indent="-457200">
+              <a:buFont typeface="Arial" panose="020B0604020202020204" pitchFamily="34" charset="0"/>
               <a:buChar char="•"/>
             </a:pPr>
             <a:r>
-              <a:rPr lang="en-US" sz="3600">
-                <a:solidFill>
-                  <a:srgbClr val="000000"/>
-                </a:solidFill>
-                <a:latin typeface="Canva Sans"/>
-              </a:rPr>
-              <a:t>Despite the best efforts of law enforcement, the process of locating missing persons is often fraught with challenges.</a:t>
-            </a:r>
-          </a:p>
-          <a:p>
-            <a:pPr marL="777240" lvl="1" indent="-388620" algn="just">
-              <a:lnSpc>
-                <a:spcPts val="5040"/>
-              </a:lnSpc>
-              <a:buFont typeface="Arial"/>
+              <a:rPr lang="en-US" sz="2800" dirty="0"/>
+              <a:t>Through the integration of technology and data-driven approaches, Krishi </a:t>
+            </a:r>
+            <a:r>
+              <a:rPr lang="en-US" sz="2800" dirty="0" err="1"/>
+              <a:t>Sahayak</a:t>
+            </a:r>
+            <a:r>
+              <a:rPr lang="en-US" sz="2800" dirty="0"/>
+              <a:t> addresses key challenges faced by farmers.</a:t>
+            </a:r>
+          </a:p>
+          <a:p>
+            <a:pPr marL="457200" indent="-457200">
+              <a:buFont typeface="Arial" panose="020B0604020202020204" pitchFamily="34" charset="0"/>
               <a:buChar char="•"/>
             </a:pPr>
             <a:r>
-              <a:rPr lang="en-US" sz="3600">
-                <a:solidFill>
-                  <a:srgbClr val="000000"/>
-                </a:solidFill>
-                <a:latin typeface="Canva Sans"/>
-              </a:rPr>
-              <a:t>The </a:t>
-            </a:r>
-            <a:r>
-              <a:rPr lang="en-US" sz="3600">
-                <a:solidFill>
-                  <a:srgbClr val="000000"/>
-                </a:solidFill>
-                <a:latin typeface="Canva Sans Bold"/>
-              </a:rPr>
-              <a:t>'Missing Person Detection System.'</a:t>
-            </a:r>
-            <a:r>
-              <a:rPr lang="en-US" sz="3600">
-                <a:solidFill>
-                  <a:srgbClr val="000000"/>
-                </a:solidFill>
-                <a:latin typeface="Canva Sans"/>
-              </a:rPr>
-              <a:t> A Revolutionary Web-Based Application Utilizing Machine Learning and Facial Recognition</a:t>
-            </a:r>
-          </a:p>
-          <a:p>
-            <a:pPr marL="777240" lvl="1" indent="-388620" algn="just">
-              <a:lnSpc>
-                <a:spcPts val="5040"/>
-              </a:lnSpc>
-              <a:buFont typeface="Arial"/>
+              <a:rPr lang="en-US" sz="2800" dirty="0"/>
+              <a:t>The platform offers personalized recommendations, timely information, and access to essential resources.</a:t>
+            </a:r>
+          </a:p>
+          <a:p>
+            <a:pPr marL="457200" indent="-457200">
+              <a:buFont typeface="Arial" panose="020B0604020202020204" pitchFamily="34" charset="0"/>
               <a:buChar char="•"/>
             </a:pPr>
             <a:r>
-              <a:rPr lang="en-US" sz="3600">
-                <a:solidFill>
-                  <a:srgbClr val="000000"/>
-                </a:solidFill>
-                <a:latin typeface="Canva Sans"/>
-              </a:rPr>
-              <a:t>Let's explore how this transformative project aims to revolutionize the way we approach and expedite missing person investigations</a:t>
+              <a:rPr lang="en-US" sz="2800" dirty="0"/>
+              <a:t>Modules such as pest prediction, fertilizer optimization, and market insights empower farmers to make informed decisions.</a:t>
+            </a:r>
+          </a:p>
+          <a:p>
+            <a:pPr marL="457200" indent="-457200">
+              <a:buFont typeface="Arial" panose="020B0604020202020204" pitchFamily="34" charset="0"/>
+              <a:buChar char="•"/>
+            </a:pPr>
+            <a:r>
+              <a:rPr lang="en-US" sz="2800" dirty="0"/>
+              <a:t>Krishi </a:t>
+            </a:r>
+            <a:r>
+              <a:rPr lang="en-US" sz="2800" dirty="0" err="1"/>
+              <a:t>Sahayak</a:t>
+            </a:r>
+            <a:r>
+              <a:rPr lang="en-US" sz="2800" dirty="0"/>
+              <a:t> aims to enhance agricultural productivity, sustainability, and livelihoods across the country.</a:t>
+            </a:r>
+          </a:p>
+          <a:p>
+            <a:pPr marL="457200" indent="-457200">
+              <a:buFont typeface="Arial" panose="020B0604020202020204" pitchFamily="34" charset="0"/>
+              <a:buChar char="•"/>
+            </a:pPr>
+            <a:r>
+              <a:rPr lang="en-US" sz="2800" dirty="0"/>
+              <a:t>Moving forward, Krishi </a:t>
+            </a:r>
+            <a:r>
+              <a:rPr lang="en-US" sz="2800" dirty="0" err="1"/>
+              <a:t>Sahayak</a:t>
+            </a:r>
+            <a:r>
+              <a:rPr lang="en-US" sz="2800" dirty="0"/>
+              <a:t> remains committed to innovation, collaboration, and positive impact in Indian agriculture.</a:t>
             </a:r>
           </a:p>
         </p:txBody>
@@ -6208,7 +6261,7 @@
 </p:sld>
 </file>
 
-<file path=ppt/slides/slide4.xml><?xml version="1.0" encoding="utf-8"?>
+<file path=ppt/slides/slide16.xml><?xml version="1.0" encoding="utf-8"?>
 <p:sld xmlns:a="http://schemas.openxmlformats.org/drawingml/2006/main" xmlns:r="http://schemas.openxmlformats.org/officeDocument/2006/relationships" xmlns:p="http://schemas.openxmlformats.org/presentationml/2006/main">
   <p:cSld>
     <p:spTree>
@@ -6356,95 +6409,82 @@
       </p:grpSp>
       <p:sp>
         <p:nvSpPr>
-          <p:cNvPr id="6" name="Freeform 6"/>
-          <p:cNvSpPr/>
+          <p:cNvPr id="6" name="TextBox 6"/>
+          <p:cNvSpPr txBox="1"/>
           <p:nvPr/>
         </p:nvSpPr>
         <p:spPr>
           <a:xfrm>
-            <a:off x="0" y="3022010"/>
-            <a:ext cx="8483456" cy="5111213"/>
-          </a:xfrm>
-          <a:custGeom>
+            <a:off x="7610850" y="168081"/>
+            <a:ext cx="5189697" cy="537844"/>
+          </a:xfrm>
+          <a:prstGeom prst="rect">
             <a:avLst/>
-            <a:gdLst/>
-            <a:ahLst/>
-            <a:cxnLst/>
-            <a:rect l="l" t="t" r="r" b="b"/>
-            <a:pathLst>
-              <a:path w="8483456" h="5111213">
-                <a:moveTo>
-                  <a:pt x="0" y="0"/>
-                </a:moveTo>
-                <a:lnTo>
-                  <a:pt x="8483456" y="0"/>
-                </a:lnTo>
-                <a:lnTo>
-                  <a:pt x="8483456" y="5111213"/>
-                </a:lnTo>
-                <a:lnTo>
-                  <a:pt x="0" y="5111213"/>
-                </a:lnTo>
-                <a:lnTo>
-                  <a:pt x="0" y="0"/>
-                </a:lnTo>
-                <a:close/>
-              </a:path>
-            </a:pathLst>
-          </a:custGeom>
-          <a:blipFill>
-            <a:blip r:embed="rId3"/>
-            <a:stretch>
-              <a:fillRect t="-1408" b="-1808"/>
-            </a:stretch>
-          </a:blipFill>
-        </p:spPr>
-      </p:sp>
-      <p:sp>
-        <p:nvSpPr>
-          <p:cNvPr id="7" name="Freeform 7"/>
-          <p:cNvSpPr/>
+          </a:prstGeom>
+        </p:spPr>
+        <p:txBody>
+          <a:bodyPr lIns="0" tIns="0" rIns="0" bIns="0" rtlCol="0" anchor="t">
+            <a:spAutoFit/>
+          </a:bodyPr>
+          <a:lstStyle/>
+          <a:p>
+            <a:pPr marL="0" lvl="0" indent="0" algn="ctr">
+              <a:lnSpc>
+                <a:spcPts val="4480"/>
+              </a:lnSpc>
+              <a:spcBef>
+                <a:spcPct val="0"/>
+              </a:spcBef>
+            </a:pPr>
+            <a:r>
+              <a:rPr lang="en-US" sz="3200">
+                <a:solidFill>
+                  <a:srgbClr val="FFFFFF"/>
+                </a:solidFill>
+                <a:latin typeface="Canva Sans Bold"/>
+              </a:rPr>
+              <a:t>A Project Presentation on </a:t>
+            </a:r>
+          </a:p>
+        </p:txBody>
+      </p:sp>
+      <p:sp>
+        <p:nvSpPr>
+          <p:cNvPr id="7" name="TextBox 7"/>
+          <p:cNvSpPr txBox="1"/>
           <p:nvPr/>
         </p:nvSpPr>
         <p:spPr>
           <a:xfrm>
-            <a:off x="8483456" y="4616939"/>
-            <a:ext cx="9619484" cy="5670061"/>
-          </a:xfrm>
-          <a:custGeom>
+            <a:off x="6032498" y="870766"/>
+            <a:ext cx="8346400" cy="646429"/>
+          </a:xfrm>
+          <a:prstGeom prst="rect">
             <a:avLst/>
-            <a:gdLst/>
-            <a:ahLst/>
-            <a:cxnLst/>
-            <a:rect l="l" t="t" r="r" b="b"/>
-            <a:pathLst>
-              <a:path w="9619484" h="5670061">
-                <a:moveTo>
-                  <a:pt x="0" y="0"/>
-                </a:moveTo>
-                <a:lnTo>
-                  <a:pt x="9619483" y="0"/>
-                </a:lnTo>
-                <a:lnTo>
-                  <a:pt x="9619483" y="5670061"/>
-                </a:lnTo>
-                <a:lnTo>
-                  <a:pt x="0" y="5670061"/>
-                </a:lnTo>
-                <a:lnTo>
-                  <a:pt x="0" y="0"/>
-                </a:lnTo>
-                <a:close/>
-              </a:path>
-            </a:pathLst>
-          </a:custGeom>
-          <a:blipFill>
-            <a:blip r:embed="rId4"/>
-            <a:stretch>
-              <a:fillRect l="-614" t="-740" r="-614"/>
-            </a:stretch>
-          </a:blipFill>
-        </p:spPr>
+          </a:prstGeom>
+        </p:spPr>
+        <p:txBody>
+          <a:bodyPr lIns="0" tIns="0" rIns="0" bIns="0" rtlCol="0" anchor="t">
+            <a:spAutoFit/>
+          </a:bodyPr>
+          <a:lstStyle/>
+          <a:p>
+            <a:pPr algn="ctr">
+              <a:lnSpc>
+                <a:spcPts val="5320"/>
+              </a:lnSpc>
+            </a:pPr>
+            <a:r>
+              <a:rPr lang="en-US" sz="3800">
+                <a:solidFill>
+                  <a:srgbClr val="FFF500"/>
+                </a:solidFill>
+                <a:latin typeface="Canva Sans Bold"/>
+              </a:rPr>
+              <a:t>“Missing Person Detection System”</a:t>
+            </a:r>
+          </a:p>
+        </p:txBody>
       </p:sp>
       <p:sp>
         <p:nvSpPr>
@@ -6454,8 +6494,8 @@
         </p:nvSpPr>
         <p:spPr>
           <a:xfrm>
-            <a:off x="7610850" y="168081"/>
-            <a:ext cx="5189697" cy="537844"/>
+            <a:off x="2828155" y="3782998"/>
+            <a:ext cx="12940473" cy="2660893"/>
           </a:xfrm>
           <a:prstGeom prst="rect">
             <a:avLst/>
@@ -6467,98 +6507,37 @@
           </a:bodyPr>
           <a:lstStyle/>
           <a:p>
-            <a:pPr marL="0" lvl="0" indent="0" algn="ctr">
-              <a:lnSpc>
-                <a:spcPts val="4480"/>
-              </a:lnSpc>
-              <a:spcBef>
-                <a:spcPct val="0"/>
-              </a:spcBef>
-            </a:pPr>
-            <a:r>
-              <a:rPr lang="en-US" sz="3200">
-                <a:solidFill>
-                  <a:srgbClr val="FFFFFF"/>
+            <a:pPr algn="ctr">
+              <a:lnSpc>
+                <a:spcPts val="21761"/>
+              </a:lnSpc>
+            </a:pPr>
+            <a:r>
+              <a:rPr lang="en-US" sz="15544" u="sng">
+                <a:solidFill>
+                  <a:srgbClr val="141583"/>
                 </a:solidFill>
                 <a:latin typeface="Canva Sans Bold"/>
               </a:rPr>
-              <a:t>A Project Presentation on </a:t>
-            </a:r>
-          </a:p>
-        </p:txBody>
-      </p:sp>
-      <p:sp>
-        <p:nvSpPr>
-          <p:cNvPr id="9" name="TextBox 9"/>
-          <p:cNvSpPr txBox="1"/>
-          <p:nvPr/>
-        </p:nvSpPr>
-        <p:spPr>
-          <a:xfrm>
-            <a:off x="6032498" y="870766"/>
-            <a:ext cx="8346400" cy="646429"/>
-          </a:xfrm>
-          <a:prstGeom prst="rect">
-            <a:avLst/>
-          </a:prstGeom>
-        </p:spPr>
-        <p:txBody>
-          <a:bodyPr lIns="0" tIns="0" rIns="0" bIns="0" rtlCol="0" anchor="t">
-            <a:spAutoFit/>
-          </a:bodyPr>
-          <a:lstStyle/>
-          <a:p>
-            <a:pPr algn="ctr">
-              <a:lnSpc>
-                <a:spcPts val="5320"/>
-              </a:lnSpc>
-            </a:pPr>
-            <a:r>
-              <a:rPr lang="en-US" sz="3800">
+              <a:t>THANK</a:t>
+            </a:r>
+            <a:r>
+              <a:rPr lang="en-US" sz="15544">
+                <a:solidFill>
+                  <a:srgbClr val="000000"/>
+                </a:solidFill>
+                <a:latin typeface="Canva Sans Bold"/>
+              </a:rPr>
+              <a:t> </a:t>
+            </a:r>
+            <a:r>
+              <a:rPr lang="en-US" sz="15544" u="sng">
                 <a:solidFill>
                   <a:srgbClr val="FFF500"/>
                 </a:solidFill>
                 <a:latin typeface="Canva Sans Bold"/>
               </a:rPr>
-              <a:t>“Missing Person Detection System”</a:t>
-            </a:r>
-          </a:p>
-        </p:txBody>
-      </p:sp>
-      <p:sp>
-        <p:nvSpPr>
-          <p:cNvPr id="10" name="TextBox 10"/>
-          <p:cNvSpPr txBox="1"/>
-          <p:nvPr/>
-        </p:nvSpPr>
-        <p:spPr>
-          <a:xfrm>
-            <a:off x="4765432" y="1936546"/>
-            <a:ext cx="9935885" cy="695961"/>
-          </a:xfrm>
-          <a:prstGeom prst="rect">
-            <a:avLst/>
-          </a:prstGeom>
-        </p:spPr>
-        <p:txBody>
-          <a:bodyPr lIns="0" tIns="0" rIns="0" bIns="0" rtlCol="0" anchor="t">
-            <a:spAutoFit/>
-          </a:bodyPr>
-          <a:lstStyle/>
-          <a:p>
-            <a:pPr algn="ctr">
-              <a:lnSpc>
-                <a:spcPts val="5739"/>
-              </a:lnSpc>
-            </a:pPr>
-            <a:r>
-              <a:rPr lang="en-US" sz="4099">
-                <a:solidFill>
-                  <a:srgbClr val="E04F2A"/>
-                </a:solidFill>
-                <a:latin typeface="Canva Sans Bold"/>
-              </a:rPr>
-              <a:t>Graphs of Missing children across India</a:t>
+              <a:t>YOU!!</a:t>
             </a:r>
           </a:p>
         </p:txBody>
@@ -6571,7 +6550,7 @@
 </p:sld>
 </file>
 
-<file path=ppt/slides/slide5.xml><?xml version="1.0" encoding="utf-8"?>
+<file path=ppt/slides/slide2.xml><?xml version="1.0" encoding="utf-8"?>
 <p:sld xmlns:a="http://schemas.openxmlformats.org/drawingml/2006/main" xmlns:r="http://schemas.openxmlformats.org/officeDocument/2006/relationships" xmlns:p="http://schemas.openxmlformats.org/presentationml/2006/main">
   <p:cSld>
     <p:spTree>
@@ -6719,7 +6698,59 @@
       </p:grpSp>
       <p:sp>
         <p:nvSpPr>
-          <p:cNvPr id="6" name="TextBox 6"/>
+          <p:cNvPr id="6" name="Freeform 6"/>
+          <p:cNvSpPr/>
+          <p:nvPr/>
+        </p:nvSpPr>
+        <p:spPr>
+          <a:xfrm>
+            <a:off x="11195102" y="3641750"/>
+            <a:ext cx="5922748" cy="4652049"/>
+          </a:xfrm>
+          <a:custGeom>
+            <a:avLst/>
+            <a:gdLst/>
+            <a:ahLst/>
+            <a:cxnLst/>
+            <a:rect l="l" t="t" r="r" b="b"/>
+            <a:pathLst>
+              <a:path w="5922748" h="4652049">
+                <a:moveTo>
+                  <a:pt x="0" y="0"/>
+                </a:moveTo>
+                <a:lnTo>
+                  <a:pt x="5922748" y="0"/>
+                </a:lnTo>
+                <a:lnTo>
+                  <a:pt x="5922748" y="4652050"/>
+                </a:lnTo>
+                <a:lnTo>
+                  <a:pt x="0" y="4652050"/>
+                </a:lnTo>
+                <a:lnTo>
+                  <a:pt x="0" y="0"/>
+                </a:lnTo>
+                <a:close/>
+              </a:path>
+            </a:pathLst>
+          </a:custGeom>
+          <a:blipFill>
+            <a:blip r:embed="rId3">
+              <a:extLst>
+                <a:ext uri="{96DAC541-7B7A-43D3-8B79-37D633B846F1}">
+                  <asvg:svgBlip xmlns:asvg="http://schemas.microsoft.com/office/drawing/2016/SVG/main" r:embed="rId4"/>
+                </a:ext>
+              </a:extLst>
+            </a:blip>
+            <a:stretch>
+              <a:fillRect/>
+            </a:stretch>
+          </a:blipFill>
+        </p:spPr>
+      </p:sp>
+      <p:sp>
+        <p:nvSpPr>
+          <p:cNvPr id="7" name="TextBox 7"/>
           <p:cNvSpPr txBox="1"/>
           <p:nvPr/>
         </p:nvSpPr>
@@ -6760,7 +6791,7 @@
       </p:sp>
       <p:sp>
         <p:nvSpPr>
-          <p:cNvPr id="7" name="TextBox 7"/>
+          <p:cNvPr id="8" name="TextBox 8"/>
           <p:cNvSpPr txBox="1"/>
           <p:nvPr/>
         </p:nvSpPr>
@@ -6798,14 +6829,14 @@
       </p:sp>
       <p:sp>
         <p:nvSpPr>
-          <p:cNvPr id="8" name="TextBox 8"/>
+          <p:cNvPr id="9" name="TextBox 9"/>
           <p:cNvSpPr txBox="1"/>
           <p:nvPr/>
         </p:nvSpPr>
         <p:spPr>
           <a:xfrm>
-            <a:off x="6688444" y="2027283"/>
-            <a:ext cx="6508398" cy="903605"/>
+            <a:off x="7442844" y="2055858"/>
+            <a:ext cx="4150899" cy="903605"/>
           </a:xfrm>
           <a:prstGeom prst="rect">
             <a:avLst/>
@@ -6829,21 +6860,21 @@
                 </a:solidFill>
                 <a:latin typeface="Canva Sans Bold"/>
               </a:rPr>
-              <a:t>Project Overview</a:t>
-            </a:r>
-          </a:p>
-        </p:txBody>
-      </p:sp>
-      <p:sp>
-        <p:nvSpPr>
-          <p:cNvPr id="9" name="TextBox 9"/>
+              <a:t>Outline</a:t>
+            </a:r>
+          </a:p>
+        </p:txBody>
+      </p:sp>
+      <p:sp>
+        <p:nvSpPr>
+          <p:cNvPr id="10" name="TextBox 10"/>
           <p:cNvSpPr txBox="1"/>
           <p:nvPr/>
         </p:nvSpPr>
         <p:spPr>
           <a:xfrm>
-            <a:off x="1390924" y="2873738"/>
-            <a:ext cx="16095526" cy="6915149"/>
+            <a:off x="1646082" y="3130913"/>
+            <a:ext cx="7872212" cy="5549899"/>
           </a:xfrm>
           <a:prstGeom prst="rect">
             <a:avLst/>
@@ -6855,233 +6886,166 @@
           </a:bodyPr>
           <a:lstStyle/>
           <a:p>
-            <a:pPr marL="647711" lvl="1" indent="-323856" algn="just">
-              <a:lnSpc>
-                <a:spcPts val="4200"/>
+            <a:pPr marL="755659" lvl="1" indent="-377829" algn="just">
+              <a:lnSpc>
+                <a:spcPts val="4900"/>
               </a:lnSpc>
               <a:buFont typeface="Arial"/>
               <a:buChar char="•"/>
             </a:pPr>
             <a:r>
-              <a:rPr lang="en-US" sz="3000">
+              <a:rPr lang="en-US" sz="3500">
                 <a:solidFill>
                   <a:srgbClr val="000000"/>
                 </a:solidFill>
                 <a:latin typeface="Canva Sans Bold"/>
               </a:rPr>
-              <a:t>Objectives:</a:t>
-            </a:r>
-          </a:p>
-          <a:p>
-            <a:pPr marL="1295423" lvl="2" indent="-431808" algn="just">
-              <a:lnSpc>
-                <a:spcPts val="4200"/>
-              </a:lnSpc>
-              <a:buFont typeface="Arial"/>
-              <a:buChar char="⚬"/>
-            </a:pPr>
-            <a:r>
-              <a:rPr lang="en-US" sz="3000">
-                <a:solidFill>
-                  <a:srgbClr val="000000"/>
-                </a:solidFill>
-                <a:latin typeface="Canva Sans"/>
-              </a:rPr>
-              <a:t>Streamline missing person search.</a:t>
-            </a:r>
-          </a:p>
-          <a:p>
-            <a:pPr marL="1295423" lvl="2" indent="-431808" algn="just">
-              <a:lnSpc>
-                <a:spcPts val="4200"/>
-              </a:lnSpc>
-              <a:buFont typeface="Arial"/>
-              <a:buChar char="⚬"/>
-            </a:pPr>
-            <a:r>
-              <a:rPr lang="en-US" sz="3000">
-                <a:solidFill>
-                  <a:srgbClr val="000000"/>
-                </a:solidFill>
-                <a:latin typeface="Canva Sans"/>
-              </a:rPr>
-              <a:t>Reduce investigation times.</a:t>
-            </a:r>
-          </a:p>
-          <a:p>
-            <a:pPr marL="1295423" lvl="2" indent="-431808" algn="just">
-              <a:lnSpc>
-                <a:spcPts val="4200"/>
-              </a:lnSpc>
-              <a:buFont typeface="Arial"/>
-              <a:buChar char="⚬"/>
-            </a:pPr>
-            <a:r>
-              <a:rPr lang="en-US" sz="3000">
-                <a:solidFill>
-                  <a:srgbClr val="000000"/>
-                </a:solidFill>
-                <a:latin typeface="Canva Sans"/>
-              </a:rPr>
-              <a:t>Provide timely notifications to authorities and family members.</a:t>
-            </a:r>
-          </a:p>
-          <a:p>
-            <a:pPr marL="647711" lvl="1" indent="-323856" algn="just">
-              <a:lnSpc>
-                <a:spcPts val="4200"/>
+              <a:t>Introduction</a:t>
+            </a:r>
+          </a:p>
+          <a:p>
+            <a:pPr marL="755659" lvl="1" indent="-377829" algn="just">
+              <a:lnSpc>
+                <a:spcPts val="4900"/>
               </a:lnSpc>
               <a:buFont typeface="Arial"/>
               <a:buChar char="•"/>
             </a:pPr>
             <a:r>
-              <a:rPr lang="en-US" sz="3000">
+              <a:rPr lang="en-US" sz="3500">
                 <a:solidFill>
                   <a:srgbClr val="000000"/>
                 </a:solidFill>
                 <a:latin typeface="Canva Sans Bold"/>
               </a:rPr>
-              <a:t>System Features:</a:t>
-            </a:r>
-          </a:p>
-          <a:p>
-            <a:pPr marL="1295423" lvl="2" indent="-431808" algn="just">
-              <a:lnSpc>
-                <a:spcPts val="4200"/>
-              </a:lnSpc>
-              <a:buFont typeface="Arial"/>
-              <a:buChar char="⚬"/>
-            </a:pPr>
-            <a:r>
-              <a:rPr lang="en-US" sz="3000">
-                <a:solidFill>
-                  <a:srgbClr val="000000"/>
-                </a:solidFill>
-                <a:latin typeface="Canva Sans"/>
-              </a:rPr>
-              <a:t>Advanced facial recognition algorithms.</a:t>
-            </a:r>
-          </a:p>
-          <a:p>
-            <a:pPr marL="1295423" lvl="2" indent="-431808" algn="just">
-              <a:lnSpc>
-                <a:spcPts val="4200"/>
-              </a:lnSpc>
-              <a:buFont typeface="Arial"/>
-              <a:buChar char="⚬"/>
-            </a:pPr>
-            <a:r>
-              <a:rPr lang="en-US" sz="3000">
-                <a:solidFill>
-                  <a:srgbClr val="000000"/>
-                </a:solidFill>
-                <a:latin typeface="Canva Sans"/>
-              </a:rPr>
-              <a:t>User uploads images of missing persons.</a:t>
-            </a:r>
-          </a:p>
-          <a:p>
-            <a:pPr marL="1295423" lvl="2" indent="-431808" algn="just">
-              <a:lnSpc>
-                <a:spcPts val="4200"/>
-              </a:lnSpc>
-              <a:buFont typeface="Arial"/>
-              <a:buChar char="⚬"/>
-            </a:pPr>
-            <a:r>
-              <a:rPr lang="en-US" sz="3000">
-                <a:solidFill>
-                  <a:srgbClr val="000000"/>
-                </a:solidFill>
-                <a:latin typeface="Canva Sans"/>
-              </a:rPr>
-              <a:t>Cross-references with a comprehensive database.</a:t>
-            </a:r>
-          </a:p>
-          <a:p>
-            <a:pPr marL="1295423" lvl="2" indent="-431808" algn="just">
-              <a:lnSpc>
-                <a:spcPts val="4200"/>
-              </a:lnSpc>
-              <a:buFont typeface="Arial"/>
-              <a:buChar char="⚬"/>
-            </a:pPr>
-            <a:r>
-              <a:rPr lang="en-US" sz="3000">
-                <a:solidFill>
-                  <a:srgbClr val="000000"/>
-                </a:solidFill>
-                <a:latin typeface="Canva Sans"/>
-              </a:rPr>
-              <a:t>Generates alerts on finding a match.</a:t>
-            </a:r>
-          </a:p>
-          <a:p>
-            <a:pPr marL="647711" lvl="1" indent="-323856" algn="just">
-              <a:lnSpc>
-                <a:spcPts val="4200"/>
+              <a:t>Project Overview</a:t>
+            </a:r>
+          </a:p>
+          <a:p>
+            <a:pPr marL="755659" lvl="1" indent="-377829" algn="just">
+              <a:lnSpc>
+                <a:spcPts val="4900"/>
               </a:lnSpc>
               <a:buFont typeface="Arial"/>
               <a:buChar char="•"/>
             </a:pPr>
             <a:r>
-              <a:rPr lang="en-US" sz="3000">
+              <a:rPr lang="en-US" sz="3500">
                 <a:solidFill>
                   <a:srgbClr val="000000"/>
                 </a:solidFill>
                 <a:latin typeface="Canva Sans Bold"/>
               </a:rPr>
-              <a:t>User Roles:</a:t>
-            </a:r>
-          </a:p>
-          <a:p>
-            <a:pPr marL="1295423" lvl="2" indent="-431808" algn="just">
-              <a:lnSpc>
-                <a:spcPts val="4200"/>
+              <a:t>Technology Stack</a:t>
+            </a:r>
+          </a:p>
+          <a:p>
+            <a:pPr marL="755659" lvl="1" indent="-377829" algn="just">
+              <a:lnSpc>
+                <a:spcPts val="4900"/>
               </a:lnSpc>
               <a:buFont typeface="Arial"/>
-              <a:buChar char="⚬"/>
-            </a:pPr>
-            <a:r>
-              <a:rPr lang="en-US" sz="3000">
+              <a:buChar char="•"/>
+            </a:pPr>
+            <a:r>
+              <a:rPr lang="en-US" sz="3500">
                 <a:solidFill>
                   <a:srgbClr val="000000"/>
                 </a:solidFill>
-                <a:latin typeface="Canva Sans"/>
-              </a:rPr>
-              <a:t>Family members: Upload images and information.</a:t>
-            </a:r>
-          </a:p>
-          <a:p>
-            <a:pPr marL="1295423" lvl="2" indent="-431808" algn="just">
-              <a:lnSpc>
-                <a:spcPts val="4200"/>
+                <a:latin typeface="Canva Sans Bold"/>
+              </a:rPr>
+              <a:t>System Design</a:t>
+            </a:r>
+          </a:p>
+          <a:p>
+            <a:pPr marL="755659" lvl="1" indent="-377829" algn="just">
+              <a:lnSpc>
+                <a:spcPts val="4900"/>
               </a:lnSpc>
               <a:buFont typeface="Arial"/>
-              <a:buChar char="⚬"/>
-            </a:pPr>
-            <a:r>
-              <a:rPr lang="en-US" sz="3000">
+              <a:buChar char="•"/>
+            </a:pPr>
+            <a:r>
+              <a:rPr lang="en-US" sz="3500">
                 <a:solidFill>
                   <a:srgbClr val="000000"/>
                 </a:solidFill>
-                <a:latin typeface="Canva Sans"/>
-              </a:rPr>
-              <a:t>Law enforcement: Efficiently manage and retrieve data through the database.</a:t>
-            </a:r>
-          </a:p>
-          <a:p>
-            <a:pPr algn="just">
-              <a:lnSpc>
-                <a:spcPts val="4200"/>
-              </a:lnSpc>
-            </a:pPr>
-            <a:endParaRPr lang="en-US" sz="3000">
-              <a:solidFill>
-                <a:srgbClr val="000000"/>
-              </a:solidFill>
-              <a:latin typeface="Canva Sans"/>
-            </a:endParaRPr>
+                <a:latin typeface="Canva Sans Bold"/>
+              </a:rPr>
+              <a:t>Future Scope</a:t>
+            </a:r>
+          </a:p>
+          <a:p>
+            <a:pPr marL="755659" lvl="1" indent="-377829" algn="just">
+              <a:lnSpc>
+                <a:spcPts val="4900"/>
+              </a:lnSpc>
+              <a:buFont typeface="Arial"/>
+              <a:buChar char="•"/>
+            </a:pPr>
+            <a:r>
+              <a:rPr lang="en-US" sz="3500">
+                <a:solidFill>
+                  <a:srgbClr val="000000"/>
+                </a:solidFill>
+                <a:latin typeface="Canva Sans Bold"/>
+              </a:rPr>
+              <a:t>Benefits and Impact</a:t>
+            </a:r>
+          </a:p>
+          <a:p>
+            <a:pPr marL="755659" lvl="1" indent="-377829" algn="just">
+              <a:lnSpc>
+                <a:spcPts val="4900"/>
+              </a:lnSpc>
+              <a:buFont typeface="Arial"/>
+              <a:buChar char="•"/>
+            </a:pPr>
+            <a:r>
+              <a:rPr lang="en-US" sz="3500">
+                <a:solidFill>
+                  <a:srgbClr val="000000"/>
+                </a:solidFill>
+                <a:latin typeface="Canva Sans Bold"/>
+              </a:rPr>
+              <a:t>Challenges and Mitigations</a:t>
+            </a:r>
+          </a:p>
+          <a:p>
+            <a:pPr marL="755659" lvl="1" indent="-377829" algn="just">
+              <a:lnSpc>
+                <a:spcPts val="4900"/>
+              </a:lnSpc>
+              <a:buFont typeface="Arial"/>
+              <a:buChar char="•"/>
+            </a:pPr>
+            <a:r>
+              <a:rPr lang="en-US" sz="3500">
+                <a:solidFill>
+                  <a:srgbClr val="000000"/>
+                </a:solidFill>
+                <a:latin typeface="Canva Sans Bold"/>
+              </a:rPr>
+              <a:t>Conclusion</a:t>
+            </a:r>
+          </a:p>
+          <a:p>
+            <a:pPr marL="755659" lvl="1" indent="-377829" algn="just">
+              <a:lnSpc>
+                <a:spcPts val="4900"/>
+              </a:lnSpc>
+              <a:buFont typeface="Arial"/>
+              <a:buChar char="•"/>
+            </a:pPr>
+            <a:r>
+              <a:rPr lang="en-US" sz="3500">
+                <a:solidFill>
+                  <a:srgbClr val="000000"/>
+                </a:solidFill>
+                <a:latin typeface="Canva Sans Bold"/>
+              </a:rPr>
+              <a:t>Q&amp;A</a:t>
+            </a:r>
           </a:p>
         </p:txBody>
       </p:sp>
@@ -7093,7 +7057,7 @@
 </p:sld>
 </file>
 
-<file path=ppt/slides/slide6.xml><?xml version="1.0" encoding="utf-8"?>
+<file path=ppt/slides/slide3.xml><?xml version="1.0" encoding="utf-8"?>
 <p:sld xmlns:a="http://schemas.openxmlformats.org/drawingml/2006/main" xmlns:r="http://schemas.openxmlformats.org/officeDocument/2006/relationships" xmlns:p="http://schemas.openxmlformats.org/presentationml/2006/main">
   <p:cSld>
     <p:spTree>
@@ -7269,7 +7233,7 @@
               </a:spcBef>
             </a:pPr>
             <a:r>
-              <a:rPr lang="en-US" sz="3200" dirty="0">
+              <a:rPr lang="en-US" sz="3200">
                 <a:solidFill>
                   <a:srgbClr val="FFFFFF"/>
                 </a:solidFill>
@@ -7307,7 +7271,7 @@
               </a:lnSpc>
             </a:pPr>
             <a:r>
-              <a:rPr lang="en-US" sz="3800" dirty="0">
+              <a:rPr lang="en-US" sz="3800">
                 <a:solidFill>
                   <a:srgbClr val="FFF500"/>
                 </a:solidFill>
@@ -7326,8 +7290,8 @@
         </p:nvSpPr>
         <p:spPr>
           <a:xfrm>
-            <a:off x="6606090" y="2027283"/>
-            <a:ext cx="6415057" cy="903605"/>
+            <a:off x="7353119" y="1789158"/>
+            <a:ext cx="5046749" cy="903605"/>
           </a:xfrm>
           <a:prstGeom prst="rect">
             <a:avLst/>
@@ -7351,7 +7315,7 @@
                 </a:solidFill>
                 <a:latin typeface="Canva Sans Bold"/>
               </a:rPr>
-              <a:t>Technology Stack</a:t>
+              <a:t>Introduction</a:t>
             </a:r>
           </a:p>
         </p:txBody>
@@ -7364,8 +7328,8 @@
         </p:nvSpPr>
         <p:spPr>
           <a:xfrm>
-            <a:off x="1223021" y="3092813"/>
-            <a:ext cx="8432959" cy="6647179"/>
+            <a:off x="1382800" y="3007088"/>
+            <a:ext cx="16020811" cy="5729645"/>
           </a:xfrm>
           <a:prstGeom prst="rect">
             <a:avLst/>
@@ -7377,191 +7341,97 @@
           </a:bodyPr>
           <a:lstStyle/>
           <a:p>
-            <a:pPr>
-              <a:lnSpc>
-                <a:spcPts val="5320"/>
-              </a:lnSpc>
-            </a:pPr>
-            <a:r>
-              <a:rPr lang="en-US" sz="3800">
-                <a:solidFill>
-                  <a:srgbClr val="000000"/>
-                </a:solidFill>
-                <a:latin typeface="Canva Sans Bold"/>
-              </a:rPr>
-              <a:t>Languages Used: </a:t>
-            </a:r>
-          </a:p>
-          <a:p>
-            <a:pPr marL="820427" lvl="1" indent="-410214">
-              <a:lnSpc>
-                <a:spcPts val="5320"/>
+            <a:pPr marL="777240" lvl="1" indent="-388620" algn="just">
+              <a:lnSpc>
+                <a:spcPts val="5040"/>
               </a:lnSpc>
               <a:buFont typeface="Arial"/>
               <a:buChar char="•"/>
             </a:pPr>
             <a:r>
-              <a:rPr lang="en-US" sz="3800">
+              <a:rPr lang="en-US" sz="3600" dirty="0">
                 <a:solidFill>
                   <a:srgbClr val="000000"/>
                 </a:solidFill>
                 <a:latin typeface="Canva Sans"/>
               </a:rPr>
-              <a:t>Python </a:t>
-            </a:r>
-          </a:p>
-          <a:p>
-            <a:pPr marL="820427" lvl="1" indent="-410214">
-              <a:lnSpc>
-                <a:spcPts val="5320"/>
+              <a:t>Agriculture forms the backbone of India's economy, with millions of farmers relying on traditional methods and practices to cultivate crops and sustain their livelihoods. </a:t>
+            </a:r>
+          </a:p>
+          <a:p>
+            <a:pPr marL="777240" lvl="1" indent="-388620" algn="just">
+              <a:lnSpc>
+                <a:spcPts val="5040"/>
               </a:lnSpc>
               <a:buFont typeface="Arial"/>
               <a:buChar char="•"/>
             </a:pPr>
             <a:r>
-              <a:rPr lang="en-US" sz="3800">
+              <a:rPr lang="en-US" sz="3600" dirty="0">
                 <a:solidFill>
                   <a:srgbClr val="000000"/>
                 </a:solidFill>
                 <a:latin typeface="Canva Sans"/>
               </a:rPr>
-              <a:t>Django</a:t>
-            </a:r>
-          </a:p>
-          <a:p>
-            <a:pPr marL="820427" lvl="1" indent="-410214">
-              <a:lnSpc>
-                <a:spcPts val="5320"/>
+              <a:t>However, farmers often face numerous challenges, including pest infestations, soil nutrient deficiencies, market uncertainties, and limited access to relevant information and resources. </a:t>
+            </a:r>
+          </a:p>
+          <a:p>
+            <a:pPr marL="777240" lvl="1" indent="-388620" algn="just">
+              <a:lnSpc>
+                <a:spcPts val="5040"/>
               </a:lnSpc>
               <a:buFont typeface="Arial"/>
               <a:buChar char="•"/>
             </a:pPr>
             <a:r>
-              <a:rPr lang="en-US" sz="3800">
+              <a:rPr lang="en-US" sz="3600" dirty="0">
                 <a:solidFill>
                   <a:srgbClr val="000000"/>
                 </a:solidFill>
                 <a:latin typeface="Canva Sans"/>
               </a:rPr>
-              <a:t>HTML/CSS/Javascript/Bootstrap</a:t>
-            </a:r>
-          </a:p>
-          <a:p>
-            <a:pPr>
-              <a:lnSpc>
-                <a:spcPts val="5320"/>
-              </a:lnSpc>
-            </a:pPr>
-            <a:r>
-              <a:rPr lang="en-US" sz="3800">
+              <a:t>In response to these challenges, the </a:t>
+            </a:r>
+            <a:r>
+              <a:rPr lang="en-US" sz="3600" b="1" dirty="0">
                 <a:solidFill>
                   <a:srgbClr val="000000"/>
                 </a:solidFill>
-                <a:latin typeface="Canva Sans Bold"/>
-              </a:rPr>
-              <a:t>Libraries:</a:t>
-            </a:r>
-          </a:p>
-          <a:p>
-            <a:pPr marL="820427" lvl="1" indent="-410214">
-              <a:lnSpc>
-                <a:spcPts val="5320"/>
-              </a:lnSpc>
-              <a:buFont typeface="Arial"/>
-              <a:buChar char="•"/>
-            </a:pPr>
-            <a:r>
-              <a:rPr lang="en-US" sz="3800">
+                <a:latin typeface="Canva Sans"/>
+              </a:rPr>
+              <a:t>Krishi </a:t>
+            </a:r>
+            <a:r>
+              <a:rPr lang="en-US" sz="3600" b="1" dirty="0" err="1">
                 <a:solidFill>
                   <a:srgbClr val="000000"/>
                 </a:solidFill>
                 <a:latin typeface="Canva Sans"/>
               </a:rPr>
-              <a:t>OpenCV</a:t>
-            </a:r>
-          </a:p>
-          <a:p>
-            <a:pPr marL="820427" lvl="1" indent="-410214">
-              <a:lnSpc>
-                <a:spcPts val="5320"/>
-              </a:lnSpc>
-              <a:buFont typeface="Arial"/>
-              <a:buChar char="•"/>
-            </a:pPr>
-            <a:r>
-              <a:rPr lang="en-US" sz="3800">
+              <a:t>Sahayak</a:t>
+            </a:r>
+            <a:r>
+              <a:rPr lang="en-US" sz="3600" b="1" dirty="0">
                 <a:solidFill>
                   <a:srgbClr val="000000"/>
                 </a:solidFill>
                 <a:latin typeface="Canva Sans"/>
               </a:rPr>
-              <a:t>face-recgonition</a:t>
-            </a:r>
-          </a:p>
-          <a:p>
-            <a:pPr>
-              <a:lnSpc>
-                <a:spcPts val="5320"/>
-              </a:lnSpc>
-            </a:pPr>
-            <a:r>
-              <a:rPr lang="en-US" sz="3800">
+              <a:t> </a:t>
+            </a:r>
+            <a:r>
+              <a:rPr lang="en-US" sz="3600" dirty="0">
                 <a:solidFill>
                   <a:srgbClr val="000000"/>
                 </a:solidFill>
-                <a:latin typeface="Canva Sans Bold"/>
-              </a:rPr>
-              <a:t>IDE:</a:t>
-            </a:r>
-          </a:p>
-          <a:p>
-            <a:pPr marL="820427" lvl="1" indent="-410214">
-              <a:lnSpc>
-                <a:spcPts val="5320"/>
-              </a:lnSpc>
-              <a:buFont typeface="Arial"/>
-              <a:buChar char="•"/>
-            </a:pPr>
-            <a:r>
-              <a:rPr lang="en-US" sz="3800">
-                <a:solidFill>
-                  <a:srgbClr val="000000"/>
-                </a:solidFill>
                 <a:latin typeface="Canva Sans"/>
               </a:rPr>
-              <a:t>VsCode</a:t>
-            </a:r>
-          </a:p>
-          <a:p>
-            <a:pPr>
-              <a:lnSpc>
-                <a:spcPts val="5320"/>
-              </a:lnSpc>
-            </a:pPr>
-            <a:endParaRPr lang="en-US" sz="3800">
-              <a:solidFill>
-                <a:srgbClr val="000000"/>
-              </a:solidFill>
-              <a:latin typeface="Canva Sans"/>
-            </a:endParaRPr>
-          </a:p>
-        </p:txBody>
-      </p:sp>
-      <p:grpSp>
-        <p:nvGrpSpPr>
-          <p:cNvPr id="10" name="Group 10"/>
-          <p:cNvGrpSpPr/>
-          <p:nvPr/>
-        </p:nvGrpSpPr>
-        <p:grpSpPr>
-          <a:xfrm>
-            <a:off x="11843293" y="2903620"/>
-            <a:ext cx="5416007" cy="6836372"/>
-            <a:chOff x="0" y="0"/>
-            <a:chExt cx="7221343" cy="9115163"/>
-          </a:xfrm>
-        </p:grpSpPr>
-      </p:grpSp>
+              <a:t>project has been initiated to revolutionize agricultural practices by leveraging advanced technologies and data-driven solutions.</a:t>
+            </a:r>
+          </a:p>
+        </p:txBody>
+      </p:sp>
     </p:spTree>
   </p:cSld>
   <p:clrMapOvr>
@@ -7570,7 +7440,7 @@
 </p:sld>
 </file>
 
-<file path=ppt/slides/slide7.xml><?xml version="1.0" encoding="utf-8"?>
+<file path=ppt/slides/slide4.xml><?xml version="1.0" encoding="utf-8"?>
 <p:sld xmlns:a="http://schemas.openxmlformats.org/drawingml/2006/main" xmlns:r="http://schemas.openxmlformats.org/officeDocument/2006/relationships" xmlns:p="http://schemas.openxmlformats.org/presentationml/2006/main">
   <p:cSld>
     <p:spTree>
@@ -7718,53 +7588,7 @@
       </p:grpSp>
       <p:sp>
         <p:nvSpPr>
-          <p:cNvPr id="6" name="Freeform 6"/>
-          <p:cNvSpPr/>
-          <p:nvPr/>
-        </p:nvSpPr>
-        <p:spPr>
-          <a:xfrm>
-            <a:off x="3951690" y="3550013"/>
-            <a:ext cx="11625416" cy="5671871"/>
-          </a:xfrm>
-          <a:custGeom>
-            <a:avLst/>
-            <a:gdLst/>
-            <a:ahLst/>
-            <a:cxnLst/>
-            <a:rect l="l" t="t" r="r" b="b"/>
-            <a:pathLst>
-              <a:path w="11625416" h="5671871">
-                <a:moveTo>
-                  <a:pt x="0" y="0"/>
-                </a:moveTo>
-                <a:lnTo>
-                  <a:pt x="11625416" y="0"/>
-                </a:lnTo>
-                <a:lnTo>
-                  <a:pt x="11625416" y="5671871"/>
-                </a:lnTo>
-                <a:lnTo>
-                  <a:pt x="0" y="5671871"/>
-                </a:lnTo>
-                <a:lnTo>
-                  <a:pt x="0" y="0"/>
-                </a:lnTo>
-                <a:close/>
-              </a:path>
-            </a:pathLst>
-          </a:custGeom>
-          <a:blipFill>
-            <a:blip r:embed="rId3"/>
-            <a:stretch>
-              <a:fillRect/>
-            </a:stretch>
-          </a:blipFill>
-        </p:spPr>
-      </p:sp>
-      <p:sp>
-        <p:nvSpPr>
-          <p:cNvPr id="7" name="TextBox 7"/>
+          <p:cNvPr id="8" name="TextBox 8"/>
           <p:cNvSpPr txBox="1"/>
           <p:nvPr/>
         </p:nvSpPr>
@@ -7805,7 +7629,7 @@
       </p:sp>
       <p:sp>
         <p:nvSpPr>
-          <p:cNvPr id="8" name="TextBox 8"/>
+          <p:cNvPr id="9" name="TextBox 9"/>
           <p:cNvSpPr txBox="1"/>
           <p:nvPr/>
         </p:nvSpPr>
@@ -7841,82 +7665,100 @@
           </a:p>
         </p:txBody>
       </p:sp>
-      <p:sp>
-        <p:nvSpPr>
-          <p:cNvPr id="9" name="TextBox 9"/>
-          <p:cNvSpPr txBox="1"/>
+      <p:pic>
+        <p:nvPicPr>
+          <p:cNvPr id="1026" name="Picture 2" descr="farmers' debts ...">
+            <a:extLst>
+              <a:ext uri="{FF2B5EF4-FFF2-40B4-BE49-F238E27FC236}">
+                <a16:creationId xmlns:a16="http://schemas.microsoft.com/office/drawing/2014/main" id="{8EF61D8E-C3E9-B508-9E83-ED1FFE7433FA}"/>
+              </a:ext>
+            </a:extLst>
+          </p:cNvPr>
+          <p:cNvPicPr>
+            <a:picLocks noChangeAspect="1" noChangeArrowheads="1"/>
+          </p:cNvPicPr>
           <p:nvPr/>
-        </p:nvSpPr>
-        <p:spPr>
-          <a:xfrm>
-            <a:off x="6950636" y="2027283"/>
-            <a:ext cx="5627524" cy="903605"/>
+        </p:nvPicPr>
+        <p:blipFill>
+          <a:blip r:embed="rId3">
+            <a:extLst>
+              <a:ext uri="{28A0092B-C50C-407E-A947-70E740481C1C}">
+                <a14:useLocalDpi xmlns:a14="http://schemas.microsoft.com/office/drawing/2010/main" val="0"/>
+              </a:ext>
+            </a:extLst>
+          </a:blip>
+          <a:srcRect/>
+          <a:stretch>
+            <a:fillRect/>
+          </a:stretch>
+        </p:blipFill>
+        <p:spPr bwMode="auto">
+          <a:xfrm>
+            <a:off x="1371600" y="2628900"/>
+            <a:ext cx="6400800" cy="5334000"/>
           </a:xfrm>
           <a:prstGeom prst="rect">
             <a:avLst/>
           </a:prstGeom>
-        </p:spPr>
-        <p:txBody>
-          <a:bodyPr lIns="0" tIns="0" rIns="0" bIns="0" rtlCol="0" anchor="t">
-            <a:spAutoFit/>
-          </a:bodyPr>
-          <a:lstStyle/>
-          <a:p>
-            <a:pPr algn="ctr">
-              <a:lnSpc>
-                <a:spcPts val="7419"/>
-              </a:lnSpc>
-            </a:pPr>
-            <a:r>
-              <a:rPr lang="en-US" sz="5299" u="sng">
-                <a:solidFill>
-                  <a:srgbClr val="0003FF"/>
-                </a:solidFill>
-                <a:latin typeface="Canva Sans Bold"/>
-              </a:rPr>
-              <a:t>System Design</a:t>
-            </a:r>
-          </a:p>
-        </p:txBody>
-      </p:sp>
-      <p:sp>
-        <p:nvSpPr>
-          <p:cNvPr id="10" name="TextBox 10"/>
-          <p:cNvSpPr txBox="1"/>
+          <a:noFill/>
+          <a:extLst>
+            <a:ext uri="{909E8E84-426E-40DD-AFC4-6F175D3DCCD1}">
+              <a14:hiddenFill xmlns:a14="http://schemas.microsoft.com/office/drawing/2010/main">
+                <a:solidFill>
+                  <a:srgbClr val="FFFFFF"/>
+                </a:solidFill>
+              </a14:hiddenFill>
+            </a:ext>
+          </a:extLst>
+        </p:spPr>
+      </p:pic>
+      <p:pic>
+        <p:nvPicPr>
+          <p:cNvPr id="1028" name="Picture 4" descr="Net Farm Income Declining">
+            <a:extLst>
+              <a:ext uri="{FF2B5EF4-FFF2-40B4-BE49-F238E27FC236}">
+                <a16:creationId xmlns:a16="http://schemas.microsoft.com/office/drawing/2014/main" id="{CFC26ABD-4B72-0450-3652-30B415F9D063}"/>
+              </a:ext>
+            </a:extLst>
+          </p:cNvPr>
+          <p:cNvPicPr>
+            <a:picLocks noChangeAspect="1" noChangeArrowheads="1"/>
+          </p:cNvPicPr>
           <p:nvPr/>
-        </p:nvSpPr>
-        <p:spPr>
-          <a:xfrm>
-            <a:off x="3951690" y="9155209"/>
-            <a:ext cx="11625416" cy="580390"/>
+        </p:nvPicPr>
+        <p:blipFill>
+          <a:blip r:embed="rId4">
+            <a:extLst>
+              <a:ext uri="{28A0092B-C50C-407E-A947-70E740481C1C}">
+                <a14:useLocalDpi xmlns:a14="http://schemas.microsoft.com/office/drawing/2010/main" val="0"/>
+              </a:ext>
+            </a:extLst>
+          </a:blip>
+          <a:srcRect/>
+          <a:stretch>
+            <a:fillRect/>
+          </a:stretch>
+        </p:blipFill>
+        <p:spPr bwMode="auto">
+          <a:xfrm>
+            <a:off x="9372600" y="2628901"/>
+            <a:ext cx="7121164" cy="5333999"/>
           </a:xfrm>
           <a:prstGeom prst="rect">
             <a:avLst/>
           </a:prstGeom>
-        </p:spPr>
-        <p:txBody>
-          <a:bodyPr lIns="0" tIns="0" rIns="0" bIns="0" rtlCol="0" anchor="t">
-            <a:spAutoFit/>
-          </a:bodyPr>
-          <a:lstStyle/>
-          <a:p>
-            <a:pPr algn="ctr">
-              <a:lnSpc>
-                <a:spcPts val="4759"/>
-              </a:lnSpc>
-            </a:pPr>
-            <a:r>
-              <a:rPr lang="en-US" sz="3399">
-                <a:solidFill>
-                  <a:srgbClr val="000000"/>
-                </a:solidFill>
-                <a:latin typeface="Canva Sans Bold"/>
-              </a:rPr>
-              <a:t>Data Flow Diagram</a:t>
-            </a:r>
-          </a:p>
-        </p:txBody>
-      </p:sp>
+          <a:noFill/>
+          <a:extLst>
+            <a:ext uri="{909E8E84-426E-40DD-AFC4-6F175D3DCCD1}">
+              <a14:hiddenFill xmlns:a14="http://schemas.microsoft.com/office/drawing/2010/main">
+                <a:solidFill>
+                  <a:srgbClr val="FFFFFF"/>
+                </a:solidFill>
+              </a14:hiddenFill>
+            </a:ext>
+          </a:extLst>
+        </p:spPr>
+      </p:pic>
     </p:spTree>
   </p:cSld>
   <p:clrMapOvr>
@@ -7925,7 +7767,7 @@
 </p:sld>
 </file>
 
-<file path=ppt/slides/slide8.xml><?xml version="1.0" encoding="utf-8"?>
+<file path=ppt/slides/slide5.xml><?xml version="1.0" encoding="utf-8"?>
 <p:sld xmlns:a="http://schemas.openxmlformats.org/drawingml/2006/main" xmlns:r="http://schemas.openxmlformats.org/officeDocument/2006/relationships" xmlns:p="http://schemas.openxmlformats.org/presentationml/2006/main">
   <p:cSld>
     <p:spTree>
@@ -8073,95 +7915,82 @@
       </p:grpSp>
       <p:sp>
         <p:nvSpPr>
-          <p:cNvPr id="6" name="Freeform 6"/>
-          <p:cNvSpPr/>
+          <p:cNvPr id="6" name="TextBox 6"/>
+          <p:cNvSpPr txBox="1"/>
           <p:nvPr/>
         </p:nvSpPr>
         <p:spPr>
           <a:xfrm>
-            <a:off x="650993" y="3169013"/>
-            <a:ext cx="8345006" cy="3630114"/>
-          </a:xfrm>
-          <a:custGeom>
+            <a:off x="7610850" y="168081"/>
+            <a:ext cx="5189697" cy="537844"/>
+          </a:xfrm>
+          <a:prstGeom prst="rect">
             <a:avLst/>
-            <a:gdLst/>
-            <a:ahLst/>
-            <a:cxnLst/>
-            <a:rect l="l" t="t" r="r" b="b"/>
-            <a:pathLst>
-              <a:path w="8345006" h="3630114">
-                <a:moveTo>
-                  <a:pt x="0" y="0"/>
-                </a:moveTo>
-                <a:lnTo>
-                  <a:pt x="8345006" y="0"/>
-                </a:lnTo>
-                <a:lnTo>
-                  <a:pt x="8345006" y="3630114"/>
-                </a:lnTo>
-                <a:lnTo>
-                  <a:pt x="0" y="3630114"/>
-                </a:lnTo>
-                <a:lnTo>
-                  <a:pt x="0" y="0"/>
-                </a:lnTo>
-                <a:close/>
-              </a:path>
-            </a:pathLst>
-          </a:custGeom>
-          <a:blipFill>
-            <a:blip r:embed="rId3"/>
-            <a:stretch>
-              <a:fillRect r="-408"/>
-            </a:stretch>
-          </a:blipFill>
-        </p:spPr>
-      </p:sp>
-      <p:sp>
-        <p:nvSpPr>
-          <p:cNvPr id="7" name="Freeform 7"/>
-          <p:cNvSpPr/>
+          </a:prstGeom>
+        </p:spPr>
+        <p:txBody>
+          <a:bodyPr lIns="0" tIns="0" rIns="0" bIns="0" rtlCol="0" anchor="t">
+            <a:spAutoFit/>
+          </a:bodyPr>
+          <a:lstStyle/>
+          <a:p>
+            <a:pPr marL="0" lvl="0" indent="0" algn="ctr">
+              <a:lnSpc>
+                <a:spcPts val="4480"/>
+              </a:lnSpc>
+              <a:spcBef>
+                <a:spcPct val="0"/>
+              </a:spcBef>
+            </a:pPr>
+            <a:r>
+              <a:rPr lang="en-US" sz="3200">
+                <a:solidFill>
+                  <a:srgbClr val="FFFFFF"/>
+                </a:solidFill>
+                <a:latin typeface="Canva Sans Bold"/>
+              </a:rPr>
+              <a:t>A Project Presentation on </a:t>
+            </a:r>
+          </a:p>
+        </p:txBody>
+      </p:sp>
+      <p:sp>
+        <p:nvSpPr>
+          <p:cNvPr id="7" name="TextBox 7"/>
+          <p:cNvSpPr txBox="1"/>
           <p:nvPr/>
         </p:nvSpPr>
         <p:spPr>
           <a:xfrm>
-            <a:off x="10680682" y="3169013"/>
-            <a:ext cx="6578618" cy="6327412"/>
-          </a:xfrm>
-          <a:custGeom>
+            <a:off x="6032498" y="870766"/>
+            <a:ext cx="8346400" cy="646429"/>
+          </a:xfrm>
+          <a:prstGeom prst="rect">
             <a:avLst/>
-            <a:gdLst/>
-            <a:ahLst/>
-            <a:cxnLst/>
-            <a:rect l="l" t="t" r="r" b="b"/>
-            <a:pathLst>
-              <a:path w="6578618" h="6327412">
-                <a:moveTo>
-                  <a:pt x="0" y="0"/>
-                </a:moveTo>
-                <a:lnTo>
-                  <a:pt x="6578618" y="0"/>
-                </a:lnTo>
-                <a:lnTo>
-                  <a:pt x="6578618" y="6327412"/>
-                </a:lnTo>
-                <a:lnTo>
-                  <a:pt x="0" y="6327412"/>
-                </a:lnTo>
-                <a:lnTo>
-                  <a:pt x="0" y="0"/>
-                </a:lnTo>
-                <a:close/>
-              </a:path>
-            </a:pathLst>
-          </a:custGeom>
-          <a:blipFill>
-            <a:blip r:embed="rId4"/>
-            <a:stretch>
-              <a:fillRect l="-10827" r="-8614"/>
-            </a:stretch>
-          </a:blipFill>
-        </p:spPr>
+          </a:prstGeom>
+        </p:spPr>
+        <p:txBody>
+          <a:bodyPr lIns="0" tIns="0" rIns="0" bIns="0" rtlCol="0" anchor="t">
+            <a:spAutoFit/>
+          </a:bodyPr>
+          <a:lstStyle/>
+          <a:p>
+            <a:pPr algn="ctr">
+              <a:lnSpc>
+                <a:spcPts val="5320"/>
+              </a:lnSpc>
+            </a:pPr>
+            <a:r>
+              <a:rPr lang="en-US" sz="3800">
+                <a:solidFill>
+                  <a:srgbClr val="FFF500"/>
+                </a:solidFill>
+                <a:latin typeface="Canva Sans Bold"/>
+              </a:rPr>
+              <a:t>“Missing Person Detection System”</a:t>
+            </a:r>
+          </a:p>
+        </p:txBody>
       </p:sp>
       <p:sp>
         <p:nvSpPr>
@@ -8171,8 +8000,8 @@
         </p:nvSpPr>
         <p:spPr>
           <a:xfrm>
-            <a:off x="7610850" y="168081"/>
-            <a:ext cx="5189697" cy="537844"/>
+            <a:off x="6688444" y="2027283"/>
+            <a:ext cx="6508398" cy="903605"/>
           </a:xfrm>
           <a:prstGeom prst="rect">
             <a:avLst/>
@@ -8184,22 +8013,19 @@
           </a:bodyPr>
           <a:lstStyle/>
           <a:p>
-            <a:pPr marL="0" lvl="0" indent="0" algn="ctr">
-              <a:lnSpc>
-                <a:spcPts val="4480"/>
-              </a:lnSpc>
-              <a:spcBef>
-                <a:spcPct val="0"/>
-              </a:spcBef>
-            </a:pPr>
-            <a:r>
-              <a:rPr lang="en-US" sz="3200">
-                <a:solidFill>
-                  <a:srgbClr val="FFFFFF"/>
+            <a:pPr algn="ctr">
+              <a:lnSpc>
+                <a:spcPts val="7419"/>
+              </a:lnSpc>
+            </a:pPr>
+            <a:r>
+              <a:rPr lang="en-US" sz="5299" u="sng">
+                <a:solidFill>
+                  <a:srgbClr val="0003FF"/>
                 </a:solidFill>
                 <a:latin typeface="Canva Sans Bold"/>
               </a:rPr>
-              <a:t>A Project Presentation on </a:t>
+              <a:t>Project Overview</a:t>
             </a:r>
           </a:p>
         </p:txBody>
@@ -8212,8 +8038,8 @@
         </p:nvSpPr>
         <p:spPr>
           <a:xfrm>
-            <a:off x="6032498" y="870766"/>
-            <a:ext cx="8346400" cy="646429"/>
+            <a:off x="1390924" y="2873738"/>
+            <a:ext cx="16095526" cy="5889369"/>
           </a:xfrm>
           <a:prstGeom prst="rect">
             <a:avLst/>
@@ -8225,134 +8051,195 @@
           </a:bodyPr>
           <a:lstStyle/>
           <a:p>
-            <a:pPr algn="ctr">
-              <a:lnSpc>
-                <a:spcPts val="5320"/>
-              </a:lnSpc>
-            </a:pPr>
-            <a:r>
-              <a:rPr lang="en-US" sz="3800">
-                <a:solidFill>
-                  <a:srgbClr val="FFF500"/>
+            <a:pPr marL="647711" lvl="1" indent="-323856" algn="just">
+              <a:lnSpc>
+                <a:spcPts val="4200"/>
+              </a:lnSpc>
+              <a:buFont typeface="Arial"/>
+              <a:buChar char="•"/>
+            </a:pPr>
+            <a:r>
+              <a:rPr lang="en-US" sz="3000" dirty="0">
+                <a:solidFill>
+                  <a:srgbClr val="000000"/>
                 </a:solidFill>
                 <a:latin typeface="Canva Sans Bold"/>
               </a:rPr>
-              <a:t>“Missing Person Detection System”</a:t>
-            </a:r>
-          </a:p>
-        </p:txBody>
-      </p:sp>
-      <p:sp>
-        <p:nvSpPr>
-          <p:cNvPr id="10" name="TextBox 10"/>
-          <p:cNvSpPr txBox="1"/>
-          <p:nvPr/>
-        </p:nvSpPr>
-        <p:spPr>
-          <a:xfrm>
-            <a:off x="6950636" y="2027283"/>
-            <a:ext cx="5627524" cy="903605"/>
-          </a:xfrm>
-          <a:prstGeom prst="rect">
-            <a:avLst/>
-          </a:prstGeom>
-        </p:spPr>
-        <p:txBody>
-          <a:bodyPr lIns="0" tIns="0" rIns="0" bIns="0" rtlCol="0" anchor="t">
-            <a:spAutoFit/>
-          </a:bodyPr>
-          <a:lstStyle/>
-          <a:p>
-            <a:pPr algn="ctr">
-              <a:lnSpc>
-                <a:spcPts val="7419"/>
-              </a:lnSpc>
-            </a:pPr>
-            <a:r>
-              <a:rPr lang="en-US" sz="5299" u="sng">
-                <a:solidFill>
-                  <a:srgbClr val="0003FF"/>
+              <a:t>Objectives:</a:t>
+            </a:r>
+          </a:p>
+          <a:p>
+            <a:pPr marL="1295423" lvl="2" indent="-431808" algn="just">
+              <a:lnSpc>
+                <a:spcPts val="4200"/>
+              </a:lnSpc>
+              <a:buFont typeface="Arial"/>
+              <a:buChar char="⚬"/>
+            </a:pPr>
+            <a:r>
+              <a:rPr lang="en-US" sz="3000" dirty="0">
+                <a:solidFill>
+                  <a:srgbClr val="000000"/>
+                </a:solidFill>
+                <a:latin typeface="Canva Sans"/>
+              </a:rPr>
+              <a:t>Provide timely information and personalized recommendations to farmers.</a:t>
+            </a:r>
+          </a:p>
+          <a:p>
+            <a:pPr marL="1295423" lvl="2" indent="-431808" algn="just">
+              <a:lnSpc>
+                <a:spcPts val="4200"/>
+              </a:lnSpc>
+              <a:buFont typeface="Arial"/>
+              <a:buChar char="⚬"/>
+            </a:pPr>
+            <a:r>
+              <a:rPr lang="en-US" sz="3000" dirty="0">
+                <a:solidFill>
+                  <a:srgbClr val="000000"/>
+                </a:solidFill>
+                <a:latin typeface="Canva Sans"/>
+              </a:rPr>
+              <a:t>Enhance agricultural productivity and sustainability.</a:t>
+            </a:r>
+          </a:p>
+          <a:p>
+            <a:pPr marL="1295423" lvl="2" indent="-431808" algn="just">
+              <a:lnSpc>
+                <a:spcPts val="4200"/>
+              </a:lnSpc>
+              <a:buFont typeface="Arial"/>
+              <a:buChar char="⚬"/>
+            </a:pPr>
+            <a:r>
+              <a:rPr lang="en-US" sz="3000" dirty="0">
+                <a:solidFill>
+                  <a:srgbClr val="000000"/>
+                </a:solidFill>
+                <a:latin typeface="Canva Sans"/>
+              </a:rPr>
+              <a:t>Improve access to essential resources and market insights.</a:t>
+            </a:r>
+          </a:p>
+          <a:p>
+            <a:pPr marL="863615" lvl="2" algn="just">
+              <a:lnSpc>
+                <a:spcPts val="4200"/>
+              </a:lnSpc>
+            </a:pPr>
+            <a:r>
+              <a:rPr lang="en-US" sz="3000" dirty="0">
+                <a:solidFill>
+                  <a:srgbClr val="000000"/>
                 </a:solidFill>
                 <a:latin typeface="Canva Sans Bold"/>
               </a:rPr>
-              <a:t>System Design</a:t>
-            </a:r>
-          </a:p>
-        </p:txBody>
-      </p:sp>
-      <p:sp>
-        <p:nvSpPr>
-          <p:cNvPr id="11" name="TextBox 11"/>
-          <p:cNvSpPr txBox="1"/>
-          <p:nvPr/>
-        </p:nvSpPr>
-        <p:spPr>
-          <a:xfrm>
-            <a:off x="3205554" y="7108736"/>
-            <a:ext cx="2426494" cy="580390"/>
-          </a:xfrm>
-          <a:prstGeom prst="rect">
-            <a:avLst/>
-          </a:prstGeom>
-        </p:spPr>
-        <p:txBody>
-          <a:bodyPr lIns="0" tIns="0" rIns="0" bIns="0" rtlCol="0" anchor="t">
-            <a:spAutoFit/>
-          </a:bodyPr>
-          <a:lstStyle/>
-          <a:p>
-            <a:pPr algn="ctr">
-              <a:lnSpc>
-                <a:spcPts val="4759"/>
-              </a:lnSpc>
-            </a:pPr>
-            <a:r>
-              <a:rPr lang="en-US" sz="3399">
+              <a:t>System Features:</a:t>
+            </a:r>
+          </a:p>
+          <a:p>
+            <a:pPr marL="1320815" lvl="2" indent="-457200" algn="just">
+              <a:lnSpc>
+                <a:spcPts val="4200"/>
+              </a:lnSpc>
+              <a:buFont typeface="Arial" panose="020B0604020202020204" pitchFamily="34" charset="0"/>
+              <a:buChar char="•"/>
+            </a:pPr>
+            <a:r>
+              <a:rPr lang="en-US" sz="3000" dirty="0">
                 <a:solidFill>
                   <a:srgbClr val="000000"/>
                 </a:solidFill>
-                <a:latin typeface="Canva Sans Bold"/>
-              </a:rPr>
-              <a:t>ER Diagram</a:t>
-            </a:r>
-          </a:p>
-        </p:txBody>
-      </p:sp>
-      <p:sp>
-        <p:nvSpPr>
-          <p:cNvPr id="12" name="TextBox 12"/>
-          <p:cNvSpPr txBox="1"/>
-          <p:nvPr/>
-        </p:nvSpPr>
-        <p:spPr>
-          <a:xfrm>
-            <a:off x="12207568" y="9429750"/>
-            <a:ext cx="3524845" cy="580390"/>
-          </a:xfrm>
-          <a:prstGeom prst="rect">
-            <a:avLst/>
-          </a:prstGeom>
-        </p:spPr>
-        <p:txBody>
-          <a:bodyPr lIns="0" tIns="0" rIns="0" bIns="0" rtlCol="0" anchor="t">
-            <a:spAutoFit/>
-          </a:bodyPr>
-          <a:lstStyle/>
-          <a:p>
-            <a:pPr algn="ctr">
-              <a:lnSpc>
-                <a:spcPts val="4759"/>
-              </a:lnSpc>
-            </a:pPr>
-            <a:r>
-              <a:rPr lang="en-US" sz="3399">
+                <a:latin typeface="Canva Sans"/>
+              </a:rPr>
+              <a:t>Pest prediction using CNN models.</a:t>
+            </a:r>
+          </a:p>
+          <a:p>
+            <a:pPr marL="1320815" lvl="2" indent="-457200" algn="just">
+              <a:lnSpc>
+                <a:spcPts val="4200"/>
+              </a:lnSpc>
+              <a:buFont typeface="Arial" panose="020B0604020202020204" pitchFamily="34" charset="0"/>
+              <a:buChar char="•"/>
+            </a:pPr>
+            <a:r>
+              <a:rPr lang="en-US" sz="3000" dirty="0">
                 <a:solidFill>
                   <a:srgbClr val="000000"/>
                 </a:solidFill>
-                <a:latin typeface="Canva Sans Bold"/>
-              </a:rPr>
-              <a:t>Activity Diagram</a:t>
-            </a:r>
+                <a:latin typeface="Canva Sans"/>
+              </a:rPr>
+              <a:t>Kriging for fertilizer recommendation.</a:t>
+            </a:r>
+          </a:p>
+          <a:p>
+            <a:pPr marL="1320815" lvl="2" indent="-457200" algn="just">
+              <a:lnSpc>
+                <a:spcPts val="4200"/>
+              </a:lnSpc>
+              <a:buFont typeface="Arial" panose="020B0604020202020204" pitchFamily="34" charset="0"/>
+              <a:buChar char="•"/>
+            </a:pPr>
+            <a:r>
+              <a:rPr lang="en-US" sz="3000" dirty="0">
+                <a:solidFill>
+                  <a:srgbClr val="000000"/>
+                </a:solidFill>
+                <a:latin typeface="Canva Sans"/>
+              </a:rPr>
+              <a:t>Crop recommendation based on machine learning algorithms.</a:t>
+            </a:r>
+          </a:p>
+          <a:p>
+            <a:pPr marL="1320815" lvl="2" indent="-457200" algn="just">
+              <a:lnSpc>
+                <a:spcPts val="4200"/>
+              </a:lnSpc>
+              <a:buFont typeface="Arial" panose="020B0604020202020204" pitchFamily="34" charset="0"/>
+              <a:buChar char="•"/>
+            </a:pPr>
+            <a:r>
+              <a:rPr lang="en-US" sz="3000" dirty="0">
+                <a:solidFill>
+                  <a:srgbClr val="000000"/>
+                </a:solidFill>
+                <a:latin typeface="Canva Sans"/>
+              </a:rPr>
+              <a:t>Real-time market statistics and government MSP information.</a:t>
+            </a:r>
+          </a:p>
+          <a:p>
+            <a:pPr marL="1320815" lvl="2" indent="-457200" algn="just">
+              <a:lnSpc>
+                <a:spcPts val="4200"/>
+              </a:lnSpc>
+              <a:buFont typeface="Arial" panose="020B0604020202020204" pitchFamily="34" charset="0"/>
+              <a:buChar char="•"/>
+            </a:pPr>
+            <a:r>
+              <a:rPr lang="en-US" sz="3000" dirty="0">
+                <a:solidFill>
+                  <a:srgbClr val="000000"/>
+                </a:solidFill>
+                <a:latin typeface="Canva Sans"/>
+              </a:rPr>
+              <a:t>Multilingual support and access to agricultural news.</a:t>
+            </a:r>
+          </a:p>
+          <a:p>
+            <a:pPr algn="just">
+              <a:lnSpc>
+                <a:spcPts val="4200"/>
+              </a:lnSpc>
+            </a:pPr>
+            <a:endParaRPr lang="en-US" sz="3000" dirty="0">
+              <a:solidFill>
+                <a:srgbClr val="000000"/>
+              </a:solidFill>
+              <a:latin typeface="Canva Sans"/>
+            </a:endParaRPr>
           </a:p>
         </p:txBody>
       </p:sp>
@@ -8364,7 +8251,7 @@
 </p:sld>
 </file>
 
-<file path=ppt/slides/slide9.xml><?xml version="1.0" encoding="utf-8"?>
+<file path=ppt/slides/slide6.xml><?xml version="1.0" encoding="utf-8"?>
 <p:sld xmlns:a="http://schemas.openxmlformats.org/drawingml/2006/main" xmlns:r="http://schemas.openxmlformats.org/officeDocument/2006/relationships" xmlns:p="http://schemas.openxmlformats.org/presentationml/2006/main">
   <p:cSld>
     <p:spTree>
@@ -8597,8 +8484,8 @@
         </p:nvSpPr>
         <p:spPr>
           <a:xfrm>
-            <a:off x="6032498" y="2027283"/>
-            <a:ext cx="7374864" cy="903605"/>
+            <a:off x="6688444" y="2027283"/>
+            <a:ext cx="6508398" cy="903605"/>
           </a:xfrm>
           <a:prstGeom prst="rect">
             <a:avLst/>
@@ -8622,7 +8509,7 @@
                 </a:solidFill>
                 <a:latin typeface="Canva Sans Bold"/>
               </a:rPr>
-              <a:t>Future Scope</a:t>
+              <a:t>Project Overview</a:t>
             </a:r>
           </a:p>
         </p:txBody>
@@ -8635,317 +8522,1255 @@
         </p:nvSpPr>
         <p:spPr>
           <a:xfrm>
-            <a:off x="1246126" y="3483338"/>
-            <a:ext cx="16076534" cy="4780915"/>
+            <a:off x="1390924" y="3959138"/>
+            <a:ext cx="16363676" cy="3196324"/>
           </a:xfrm>
           <a:prstGeom prst="rect">
             <a:avLst/>
           </a:prstGeom>
         </p:spPr>
         <p:txBody>
+          <a:bodyPr wrap="square" lIns="0" tIns="0" rIns="0" bIns="0" rtlCol="0" anchor="t">
+            <a:spAutoFit/>
+          </a:bodyPr>
+          <a:lstStyle/>
+          <a:p>
+            <a:pPr marL="1320815" lvl="2" indent="-457200" algn="just">
+              <a:lnSpc>
+                <a:spcPts val="4200"/>
+              </a:lnSpc>
+              <a:buFont typeface="Arial" panose="020B0604020202020204" pitchFamily="34" charset="0"/>
+              <a:buChar char="•"/>
+            </a:pPr>
+            <a:r>
+              <a:rPr lang="en-US" sz="3000" dirty="0">
+                <a:solidFill>
+                  <a:srgbClr val="000000"/>
+                </a:solidFill>
+                <a:latin typeface="Canva Sans"/>
+              </a:rPr>
+              <a:t>Multilingual support and access to agricultural news.</a:t>
+            </a:r>
+          </a:p>
+          <a:p>
+            <a:pPr marL="1320815" lvl="2" indent="-457200" algn="just">
+              <a:lnSpc>
+                <a:spcPts val="4200"/>
+              </a:lnSpc>
+              <a:buFont typeface="Arial" panose="020B0604020202020204" pitchFamily="34" charset="0"/>
+              <a:buChar char="•"/>
+            </a:pPr>
+            <a:r>
+              <a:rPr lang="en-US" sz="3000" dirty="0">
+                <a:solidFill>
+                  <a:srgbClr val="000000"/>
+                </a:solidFill>
+                <a:latin typeface="Canva Sans"/>
+              </a:rPr>
+              <a:t>Fertilizer shop locator for convenience.</a:t>
+            </a:r>
+          </a:p>
+          <a:p>
+            <a:pPr marL="1320815" lvl="2" indent="-457200" algn="just">
+              <a:lnSpc>
+                <a:spcPts val="4200"/>
+              </a:lnSpc>
+              <a:buFont typeface="Arial" panose="020B0604020202020204" pitchFamily="34" charset="0"/>
+              <a:buChar char="•"/>
+            </a:pPr>
+            <a:r>
+              <a:rPr lang="en-US" sz="3000" dirty="0">
+                <a:solidFill>
+                  <a:srgbClr val="000000"/>
+                </a:solidFill>
+                <a:latin typeface="Canva Sans"/>
+              </a:rPr>
+              <a:t>Integration of IoT devices for real-time monitoring (future scope).</a:t>
+            </a:r>
+          </a:p>
+          <a:p>
+            <a:pPr marL="1320815" lvl="2" indent="-457200" algn="just">
+              <a:lnSpc>
+                <a:spcPts val="4200"/>
+              </a:lnSpc>
+              <a:buFont typeface="Arial" panose="020B0604020202020204" pitchFamily="34" charset="0"/>
+              <a:buChar char="•"/>
+            </a:pPr>
+            <a:r>
+              <a:rPr lang="en-US" sz="3000" dirty="0">
+                <a:solidFill>
+                  <a:srgbClr val="000000"/>
+                </a:solidFill>
+                <a:latin typeface="Canva Sans"/>
+              </a:rPr>
+              <a:t>Incorporation of blockchain technology for transparent supply chain management (future scope).</a:t>
+            </a:r>
+          </a:p>
+          <a:p>
+            <a:pPr algn="just">
+              <a:lnSpc>
+                <a:spcPts val="4200"/>
+              </a:lnSpc>
+            </a:pPr>
+            <a:endParaRPr lang="en-US" sz="3000" dirty="0">
+              <a:solidFill>
+                <a:srgbClr val="000000"/>
+              </a:solidFill>
+              <a:latin typeface="Canva Sans"/>
+            </a:endParaRPr>
+          </a:p>
+        </p:txBody>
+      </p:sp>
+    </p:spTree>
+    <p:extLst>
+      <p:ext uri="{BB962C8B-B14F-4D97-AF65-F5344CB8AC3E}">
+        <p14:creationId xmlns:p14="http://schemas.microsoft.com/office/powerpoint/2010/main" val="2527295793"/>
+      </p:ext>
+    </p:extLst>
+  </p:cSld>
+  <p:clrMapOvr>
+    <a:masterClrMapping/>
+  </p:clrMapOvr>
+</p:sld>
+</file>
+
+<file path=ppt/slides/slide7.xml><?xml version="1.0" encoding="utf-8"?>
+<p:sld xmlns:a="http://schemas.openxmlformats.org/drawingml/2006/main" xmlns:r="http://schemas.openxmlformats.org/officeDocument/2006/relationships" xmlns:p="http://schemas.openxmlformats.org/presentationml/2006/main">
+  <p:cSld>
+    <p:spTree>
+      <p:nvGrpSpPr>
+        <p:cNvPr id="1" name=""/>
+        <p:cNvGrpSpPr/>
+        <p:nvPr/>
+      </p:nvGrpSpPr>
+      <p:grpSpPr>
+        <a:xfrm>
+          <a:off x="0" y="0"/>
+          <a:ext cx="0" cy="0"/>
+          <a:chOff x="0" y="0"/>
+          <a:chExt cx="0" cy="0"/>
+        </a:xfrm>
+      </p:grpSpPr>
+      <p:sp>
+        <p:nvSpPr>
+          <p:cNvPr id="2" name="Freeform 2"/>
+          <p:cNvSpPr/>
+          <p:nvPr/>
+        </p:nvSpPr>
+        <p:spPr>
+          <a:xfrm>
+            <a:off x="-65996" y="0"/>
+            <a:ext cx="2189392" cy="1893933"/>
+          </a:xfrm>
+          <a:custGeom>
+            <a:avLst/>
+            <a:gdLst/>
+            <a:ahLst/>
+            <a:cxnLst/>
+            <a:rect l="l" t="t" r="r" b="b"/>
+            <a:pathLst>
+              <a:path w="2189392" h="1893933">
+                <a:moveTo>
+                  <a:pt x="0" y="0"/>
+                </a:moveTo>
+                <a:lnTo>
+                  <a:pt x="2189392" y="0"/>
+                </a:lnTo>
+                <a:lnTo>
+                  <a:pt x="2189392" y="1893933"/>
+                </a:lnTo>
+                <a:lnTo>
+                  <a:pt x="0" y="1893933"/>
+                </a:lnTo>
+                <a:lnTo>
+                  <a:pt x="0" y="0"/>
+                </a:lnTo>
+                <a:close/>
+              </a:path>
+            </a:pathLst>
+          </a:custGeom>
+          <a:blipFill>
+            <a:blip r:embed="rId2"/>
+            <a:stretch>
+              <a:fillRect t="-3291" b="-3291"/>
+            </a:stretch>
+          </a:blipFill>
+        </p:spPr>
+      </p:sp>
+      <p:grpSp>
+        <p:nvGrpSpPr>
+          <p:cNvPr id="3" name="Group 3"/>
+          <p:cNvGrpSpPr/>
+          <p:nvPr/>
+        </p:nvGrpSpPr>
+        <p:grpSpPr>
+          <a:xfrm>
+            <a:off x="2123396" y="0"/>
+            <a:ext cx="16164604" cy="1893933"/>
+            <a:chOff x="0" y="0"/>
+            <a:chExt cx="4257344" cy="498814"/>
+          </a:xfrm>
+        </p:grpSpPr>
+        <p:sp>
+          <p:nvSpPr>
+            <p:cNvPr id="4" name="Freeform 4"/>
+            <p:cNvSpPr/>
+            <p:nvPr/>
+          </p:nvSpPr>
+          <p:spPr>
+            <a:xfrm>
+              <a:off x="0" y="0"/>
+              <a:ext cx="4257344" cy="498814"/>
+            </a:xfrm>
+            <a:custGeom>
+              <a:avLst/>
+              <a:gdLst/>
+              <a:ahLst/>
+              <a:cxnLst/>
+              <a:rect l="l" t="t" r="r" b="b"/>
+              <a:pathLst>
+                <a:path w="4257344" h="498814">
+                  <a:moveTo>
+                    <a:pt x="0" y="0"/>
+                  </a:moveTo>
+                  <a:lnTo>
+                    <a:pt x="4257344" y="0"/>
+                  </a:lnTo>
+                  <a:lnTo>
+                    <a:pt x="4257344" y="498814"/>
+                  </a:lnTo>
+                  <a:lnTo>
+                    <a:pt x="0" y="498814"/>
+                  </a:lnTo>
+                  <a:close/>
+                </a:path>
+              </a:pathLst>
+            </a:custGeom>
+            <a:solidFill>
+              <a:srgbClr val="141583"/>
+            </a:solidFill>
+          </p:spPr>
+        </p:sp>
+        <p:sp>
+          <p:nvSpPr>
+            <p:cNvPr id="5" name="TextBox 5"/>
+            <p:cNvSpPr txBox="1"/>
+            <p:nvPr/>
+          </p:nvSpPr>
+          <p:spPr>
+            <a:xfrm>
+              <a:off x="0" y="-57150"/>
+              <a:ext cx="4257344" cy="555964"/>
+            </a:xfrm>
+            <a:prstGeom prst="rect">
+              <a:avLst/>
+            </a:prstGeom>
+          </p:spPr>
+          <p:txBody>
+            <a:bodyPr lIns="50800" tIns="50800" rIns="50800" bIns="50800" rtlCol="0" anchor="ctr"/>
+            <a:lstStyle/>
+            <a:p>
+              <a:pPr algn="ctr">
+                <a:lnSpc>
+                  <a:spcPts val="3500"/>
+                </a:lnSpc>
+              </a:pPr>
+              <a:endParaRPr/>
+            </a:p>
+          </p:txBody>
+        </p:sp>
+      </p:grpSp>
+      <p:sp>
+        <p:nvSpPr>
+          <p:cNvPr id="6" name="TextBox 6"/>
+          <p:cNvSpPr txBox="1"/>
+          <p:nvPr/>
+        </p:nvSpPr>
+        <p:spPr>
+          <a:xfrm>
+            <a:off x="7610850" y="168081"/>
+            <a:ext cx="5189697" cy="537844"/>
+          </a:xfrm>
+          <a:prstGeom prst="rect">
+            <a:avLst/>
+          </a:prstGeom>
+        </p:spPr>
+        <p:txBody>
           <a:bodyPr lIns="0" tIns="0" rIns="0" bIns="0" rtlCol="0" anchor="t">
             <a:spAutoFit/>
           </a:bodyPr>
           <a:lstStyle/>
           <a:p>
-            <a:pPr marL="734059" lvl="1" indent="-367030" algn="just">
-              <a:lnSpc>
-                <a:spcPts val="4759"/>
+            <a:pPr marL="0" lvl="0" indent="0" algn="ctr">
+              <a:lnSpc>
+                <a:spcPts val="4480"/>
+              </a:lnSpc>
+              <a:spcBef>
+                <a:spcPct val="0"/>
+              </a:spcBef>
+            </a:pPr>
+            <a:r>
+              <a:rPr lang="en-US" sz="3200" dirty="0">
+                <a:solidFill>
+                  <a:srgbClr val="FFFFFF"/>
+                </a:solidFill>
+                <a:latin typeface="Canva Sans Bold"/>
+              </a:rPr>
+              <a:t>A Project Presentation on </a:t>
+            </a:r>
+          </a:p>
+        </p:txBody>
+      </p:sp>
+      <p:sp>
+        <p:nvSpPr>
+          <p:cNvPr id="7" name="TextBox 7"/>
+          <p:cNvSpPr txBox="1"/>
+          <p:nvPr/>
+        </p:nvSpPr>
+        <p:spPr>
+          <a:xfrm>
+            <a:off x="6032498" y="870766"/>
+            <a:ext cx="8346400" cy="646429"/>
+          </a:xfrm>
+          <a:prstGeom prst="rect">
+            <a:avLst/>
+          </a:prstGeom>
+        </p:spPr>
+        <p:txBody>
+          <a:bodyPr lIns="0" tIns="0" rIns="0" bIns="0" rtlCol="0" anchor="t">
+            <a:spAutoFit/>
+          </a:bodyPr>
+          <a:lstStyle/>
+          <a:p>
+            <a:pPr algn="ctr">
+              <a:lnSpc>
+                <a:spcPts val="5320"/>
+              </a:lnSpc>
+            </a:pPr>
+            <a:r>
+              <a:rPr lang="en-US" sz="3800" dirty="0">
+                <a:solidFill>
+                  <a:srgbClr val="FFF500"/>
+                </a:solidFill>
+                <a:latin typeface="Canva Sans Bold"/>
+              </a:rPr>
+              <a:t>“Missing Person Detection System”</a:t>
+            </a:r>
+          </a:p>
+        </p:txBody>
+      </p:sp>
+      <p:sp>
+        <p:nvSpPr>
+          <p:cNvPr id="8" name="TextBox 8"/>
+          <p:cNvSpPr txBox="1"/>
+          <p:nvPr/>
+        </p:nvSpPr>
+        <p:spPr>
+          <a:xfrm>
+            <a:off x="6606090" y="2027283"/>
+            <a:ext cx="6415057" cy="903605"/>
+          </a:xfrm>
+          <a:prstGeom prst="rect">
+            <a:avLst/>
+          </a:prstGeom>
+        </p:spPr>
+        <p:txBody>
+          <a:bodyPr lIns="0" tIns="0" rIns="0" bIns="0" rtlCol="0" anchor="t">
+            <a:spAutoFit/>
+          </a:bodyPr>
+          <a:lstStyle/>
+          <a:p>
+            <a:pPr algn="ctr">
+              <a:lnSpc>
+                <a:spcPts val="7419"/>
+              </a:lnSpc>
+            </a:pPr>
+            <a:r>
+              <a:rPr lang="en-US" sz="5299" u="sng">
+                <a:solidFill>
+                  <a:srgbClr val="0003FF"/>
+                </a:solidFill>
+                <a:latin typeface="Canva Sans Bold"/>
+              </a:rPr>
+              <a:t>Technology Stack</a:t>
+            </a:r>
+          </a:p>
+        </p:txBody>
+      </p:sp>
+      <p:sp>
+        <p:nvSpPr>
+          <p:cNvPr id="9" name="TextBox 9"/>
+          <p:cNvSpPr txBox="1"/>
+          <p:nvPr/>
+        </p:nvSpPr>
+        <p:spPr>
+          <a:xfrm>
+            <a:off x="1223021" y="3092813"/>
+            <a:ext cx="8432959" cy="7432291"/>
+          </a:xfrm>
+          <a:prstGeom prst="rect">
+            <a:avLst/>
+          </a:prstGeom>
+        </p:spPr>
+        <p:txBody>
+          <a:bodyPr lIns="0" tIns="0" rIns="0" bIns="0" rtlCol="0" anchor="t">
+            <a:spAutoFit/>
+          </a:bodyPr>
+          <a:lstStyle/>
+          <a:p>
+            <a:pPr>
+              <a:lnSpc>
+                <a:spcPts val="5320"/>
+              </a:lnSpc>
+            </a:pPr>
+            <a:r>
+              <a:rPr lang="en-US" sz="3800" dirty="0">
+                <a:solidFill>
+                  <a:srgbClr val="000000"/>
+                </a:solidFill>
+                <a:latin typeface="Canva Sans Bold"/>
+              </a:rPr>
+              <a:t>Languages Used: </a:t>
+            </a:r>
+          </a:p>
+          <a:p>
+            <a:pPr marL="820427" lvl="1" indent="-410214">
+              <a:lnSpc>
+                <a:spcPts val="5320"/>
               </a:lnSpc>
               <a:buFont typeface="Arial"/>
               <a:buChar char="•"/>
             </a:pPr>
             <a:r>
-              <a:rPr lang="en-US" sz="3399">
+              <a:rPr lang="en-US" sz="3800" dirty="0">
                 <a:solidFill>
                   <a:srgbClr val="000000"/>
                 </a:solidFill>
                 <a:latin typeface="Canva Sans"/>
               </a:rPr>
-              <a:t>Real-Time </a:t>
-            </a:r>
-            <a:r>
-              <a:rPr lang="en-US" sz="3399">
-                <a:solidFill>
-                  <a:srgbClr val="000000"/>
-                </a:solidFill>
-                <a:latin typeface="Canva Sans Bold"/>
-              </a:rPr>
-              <a:t>Video Analysis</a:t>
-            </a:r>
-            <a:r>
-              <a:rPr lang="en-US" sz="3399">
-                <a:solidFill>
-                  <a:srgbClr val="000000"/>
-                </a:solidFill>
-                <a:latin typeface="Canva Sans"/>
-              </a:rPr>
-              <a:t> Integration. </a:t>
-            </a:r>
-          </a:p>
-          <a:p>
-            <a:pPr marL="734059" lvl="1" indent="-367030" algn="just">
-              <a:lnSpc>
-                <a:spcPts val="4759"/>
+              <a:t>Python </a:t>
+            </a:r>
+          </a:p>
+          <a:p>
+            <a:pPr marL="820427" lvl="1" indent="-410214">
+              <a:lnSpc>
+                <a:spcPts val="5320"/>
               </a:lnSpc>
               <a:buFont typeface="Arial"/>
               <a:buChar char="•"/>
             </a:pPr>
             <a:r>
-              <a:rPr lang="en-US" sz="3399">
+              <a:rPr lang="en-US" sz="3800" dirty="0">
                 <a:solidFill>
                   <a:srgbClr val="000000"/>
                 </a:solidFill>
                 <a:latin typeface="Canva Sans"/>
               </a:rPr>
-              <a:t>Mobile</a:t>
-            </a:r>
-            <a:r>
-              <a:rPr lang="en-US" sz="3399">
-                <a:solidFill>
-                  <a:srgbClr val="000000"/>
-                </a:solidFill>
-                <a:latin typeface="Canva Sans Bold"/>
-              </a:rPr>
-              <a:t> Application Development</a:t>
-            </a:r>
-            <a:r>
-              <a:rPr lang="en-US" sz="3399">
-                <a:solidFill>
-                  <a:srgbClr val="000000"/>
-                </a:solidFill>
-                <a:latin typeface="Canva Sans"/>
-              </a:rPr>
-              <a:t>. </a:t>
-            </a:r>
-          </a:p>
-          <a:p>
-            <a:pPr marL="734059" lvl="1" indent="-367030" algn="just">
-              <a:lnSpc>
-                <a:spcPts val="4759"/>
+              <a:t>Flask</a:t>
+            </a:r>
+          </a:p>
+          <a:p>
+            <a:pPr marL="820427" lvl="1" indent="-410214">
+              <a:lnSpc>
+                <a:spcPts val="5320"/>
               </a:lnSpc>
               <a:buFont typeface="Arial"/>
               <a:buChar char="•"/>
             </a:pPr>
             <a:r>
-              <a:rPr lang="en-US" sz="3399">
+              <a:rPr lang="en-US" sz="3800" dirty="0">
                 <a:solidFill>
                   <a:srgbClr val="000000"/>
                 </a:solidFill>
+                <a:latin typeface="Canva Sans"/>
+              </a:rPr>
+              <a:t>HTML/CSS/</a:t>
+            </a:r>
+            <a:r>
+              <a:rPr lang="en-US" sz="3800" dirty="0" err="1">
+                <a:solidFill>
+                  <a:srgbClr val="000000"/>
+                </a:solidFill>
+                <a:latin typeface="Canva Sans"/>
+              </a:rPr>
+              <a:t>Javascript</a:t>
+            </a:r>
+            <a:r>
+              <a:rPr lang="en-US" sz="3800" dirty="0">
+                <a:solidFill>
+                  <a:srgbClr val="000000"/>
+                </a:solidFill>
+                <a:latin typeface="Canva Sans"/>
+              </a:rPr>
+              <a:t>/Bootstrap</a:t>
+            </a:r>
+          </a:p>
+          <a:p>
+            <a:pPr>
+              <a:lnSpc>
+                <a:spcPts val="5320"/>
+              </a:lnSpc>
+            </a:pPr>
+            <a:r>
+              <a:rPr lang="en-US" sz="3800" dirty="0">
+                <a:solidFill>
+                  <a:srgbClr val="000000"/>
+                </a:solidFill>
                 <a:latin typeface="Canva Sans Bold"/>
               </a:rPr>
-              <a:t>Collaboration with Law Enforcement </a:t>
-            </a:r>
-            <a:r>
-              <a:rPr lang="en-US" sz="3399">
-                <a:solidFill>
-                  <a:srgbClr val="000000"/>
-                </a:solidFill>
-                <a:latin typeface="Canva Sans"/>
-              </a:rPr>
-              <a:t>Agencies,</a:t>
-            </a:r>
-          </a:p>
-          <a:p>
-            <a:pPr marL="734059" lvl="1" indent="-367030" algn="just">
-              <a:lnSpc>
-                <a:spcPts val="4759"/>
+              <a:t>Libraries:</a:t>
+            </a:r>
+          </a:p>
+          <a:p>
+            <a:pPr marL="820427" lvl="1" indent="-410214">
+              <a:lnSpc>
+                <a:spcPts val="5320"/>
               </a:lnSpc>
               <a:buFont typeface="Arial"/>
               <a:buChar char="•"/>
             </a:pPr>
             <a:r>
-              <a:rPr lang="en-US" sz="3399">
+              <a:rPr lang="en-US" sz="3800" dirty="0" err="1">
                 <a:solidFill>
                   <a:srgbClr val="000000"/>
                 </a:solidFill>
                 <a:latin typeface="Canva Sans"/>
               </a:rPr>
-              <a:t>Integration with </a:t>
-            </a:r>
-            <a:r>
-              <a:rPr lang="en-US" sz="3399">
-                <a:solidFill>
-                  <a:srgbClr val="000000"/>
-                </a:solidFill>
-                <a:latin typeface="Canva Sans Bold"/>
-              </a:rPr>
-              <a:t>Social Media</a:t>
-            </a:r>
-            <a:r>
-              <a:rPr lang="en-US" sz="3399">
-                <a:solidFill>
-                  <a:srgbClr val="000000"/>
-                </a:solidFill>
-                <a:latin typeface="Canva Sans"/>
-              </a:rPr>
-              <a:t> Platforms.</a:t>
-            </a:r>
-          </a:p>
-          <a:p>
-            <a:pPr marL="734059" lvl="1" indent="-367030" algn="just">
-              <a:lnSpc>
-                <a:spcPts val="4759"/>
+              <a:t>tensorflow</a:t>
+            </a:r>
+            <a:endParaRPr lang="en-US" sz="3800" dirty="0">
+              <a:solidFill>
+                <a:srgbClr val="000000"/>
+              </a:solidFill>
+              <a:latin typeface="Canva Sans"/>
+            </a:endParaRPr>
+          </a:p>
+          <a:p>
+            <a:pPr marL="820427" lvl="1" indent="-410214">
+              <a:lnSpc>
+                <a:spcPts val="5320"/>
               </a:lnSpc>
               <a:buFont typeface="Arial"/>
               <a:buChar char="•"/>
             </a:pPr>
             <a:r>
-              <a:rPr lang="en-US" sz="3399">
+              <a:rPr lang="en-US" sz="3800" dirty="0" err="1">
                 <a:solidFill>
                   <a:srgbClr val="000000"/>
                 </a:solidFill>
                 <a:latin typeface="Canva Sans"/>
               </a:rPr>
-              <a:t>Integration with</a:t>
-            </a:r>
-            <a:r>
-              <a:rPr lang="en-US" sz="3399">
-                <a:solidFill>
-                  <a:srgbClr val="000000"/>
-                </a:solidFill>
-                <a:latin typeface="Canva Sans Bold"/>
-              </a:rPr>
-              <a:t> Public Services.</a:t>
-            </a:r>
-          </a:p>
-          <a:p>
-            <a:pPr marL="734059" lvl="1" indent="-367030" algn="just">
-              <a:lnSpc>
-                <a:spcPts val="4759"/>
+              <a:t>Keras</a:t>
+            </a:r>
+            <a:endParaRPr lang="en-US" sz="3800" dirty="0">
+              <a:solidFill>
+                <a:srgbClr val="000000"/>
+              </a:solidFill>
+              <a:latin typeface="Canva Sans"/>
+            </a:endParaRPr>
+          </a:p>
+          <a:p>
+            <a:pPr marL="820427" lvl="1" indent="-410214">
+              <a:lnSpc>
+                <a:spcPts val="5320"/>
               </a:lnSpc>
               <a:buFont typeface="Arial"/>
               <a:buChar char="•"/>
             </a:pPr>
             <a:r>
-              <a:rPr lang="en-US" sz="3399">
+              <a:rPr lang="en-US" sz="3800" dirty="0">
                 <a:solidFill>
                   <a:srgbClr val="000000"/>
                 </a:solidFill>
                 <a:latin typeface="Canva Sans"/>
               </a:rPr>
-              <a:t>Implementing </a:t>
-            </a:r>
-            <a:r>
-              <a:rPr lang="en-US" sz="3399">
+              <a:t>CNN</a:t>
+            </a:r>
+          </a:p>
+          <a:p>
+            <a:pPr>
+              <a:lnSpc>
+                <a:spcPts val="5320"/>
+              </a:lnSpc>
+            </a:pPr>
+            <a:r>
+              <a:rPr lang="en-US" sz="3800" dirty="0">
                 <a:solidFill>
                   <a:srgbClr val="000000"/>
                 </a:solidFill>
                 <a:latin typeface="Canva Sans Bold"/>
               </a:rPr>
-              <a:t>encryption protocols </a:t>
-            </a:r>
-            <a:r>
-              <a:rPr lang="en-US" sz="3399">
-                <a:solidFill>
-                  <a:srgbClr val="000000"/>
-                </a:solidFill>
-                <a:latin typeface="Canva Sans"/>
-              </a:rPr>
-              <a:t>and </a:t>
-            </a:r>
-            <a:r>
-              <a:rPr lang="en-US" sz="3399">
-                <a:solidFill>
-                  <a:srgbClr val="000000"/>
-                </a:solidFill>
-                <a:latin typeface="Canva Sans Bold"/>
-              </a:rPr>
-              <a:t>data privacy.</a:t>
-            </a:r>
-          </a:p>
-          <a:p>
-            <a:pPr marL="734059" lvl="1" indent="-367030" algn="just">
-              <a:lnSpc>
-                <a:spcPts val="4759"/>
+              <a:t>IDE:</a:t>
+            </a:r>
+          </a:p>
+          <a:p>
+            <a:pPr marL="820427" lvl="1" indent="-410214">
+              <a:lnSpc>
+                <a:spcPts val="5320"/>
               </a:lnSpc>
               <a:buFont typeface="Arial"/>
               <a:buChar char="•"/>
             </a:pPr>
             <a:r>
-              <a:rPr lang="en-US" sz="3399">
+              <a:rPr lang="en-US" sz="3800" dirty="0" err="1">
                 <a:solidFill>
                   <a:srgbClr val="000000"/>
                 </a:solidFill>
                 <a:latin typeface="Canva Sans"/>
               </a:rPr>
-              <a:t>Incorporating </a:t>
-            </a:r>
-            <a:r>
-              <a:rPr lang="en-US" sz="3399">
-                <a:solidFill>
-                  <a:srgbClr val="000000"/>
+              <a:t>VsCode</a:t>
+            </a:r>
+            <a:endParaRPr lang="en-US" sz="3800" dirty="0">
+              <a:solidFill>
+                <a:srgbClr val="000000"/>
+              </a:solidFill>
+              <a:latin typeface="Canva Sans"/>
+            </a:endParaRPr>
+          </a:p>
+          <a:p>
+            <a:pPr>
+              <a:lnSpc>
+                <a:spcPts val="5320"/>
+              </a:lnSpc>
+            </a:pPr>
+            <a:endParaRPr lang="en-US" sz="3800" dirty="0">
+              <a:solidFill>
+                <a:srgbClr val="000000"/>
+              </a:solidFill>
+              <a:latin typeface="Canva Sans"/>
+            </a:endParaRPr>
+          </a:p>
+        </p:txBody>
+      </p:sp>
+      <p:grpSp>
+        <p:nvGrpSpPr>
+          <p:cNvPr id="10" name="Group 10"/>
+          <p:cNvGrpSpPr/>
+          <p:nvPr/>
+        </p:nvGrpSpPr>
+        <p:grpSpPr>
+          <a:xfrm>
+            <a:off x="11843293" y="2903620"/>
+            <a:ext cx="5416007" cy="6836372"/>
+            <a:chOff x="0" y="0"/>
+            <a:chExt cx="7221343" cy="9115163"/>
+          </a:xfrm>
+        </p:grpSpPr>
+      </p:grpSp>
+    </p:spTree>
+  </p:cSld>
+  <p:clrMapOvr>
+    <a:masterClrMapping/>
+  </p:clrMapOvr>
+</p:sld>
+</file>
+
+<file path=ppt/slides/slide8.xml><?xml version="1.0" encoding="utf-8"?>
+<p:sld xmlns:a="http://schemas.openxmlformats.org/drawingml/2006/main" xmlns:r="http://schemas.openxmlformats.org/officeDocument/2006/relationships" xmlns:p="http://schemas.openxmlformats.org/presentationml/2006/main">
+  <p:cSld>
+    <p:spTree>
+      <p:nvGrpSpPr>
+        <p:cNvPr id="1" name=""/>
+        <p:cNvGrpSpPr/>
+        <p:nvPr/>
+      </p:nvGrpSpPr>
+      <p:grpSpPr>
+        <a:xfrm>
+          <a:off x="0" y="0"/>
+          <a:ext cx="0" cy="0"/>
+          <a:chOff x="0" y="0"/>
+          <a:chExt cx="0" cy="0"/>
+        </a:xfrm>
+      </p:grpSpPr>
+      <p:sp>
+        <p:nvSpPr>
+          <p:cNvPr id="2" name="Freeform 2"/>
+          <p:cNvSpPr/>
+          <p:nvPr/>
+        </p:nvSpPr>
+        <p:spPr>
+          <a:xfrm>
+            <a:off x="-65996" y="0"/>
+            <a:ext cx="2189392" cy="1893933"/>
+          </a:xfrm>
+          <a:custGeom>
+            <a:avLst/>
+            <a:gdLst/>
+            <a:ahLst/>
+            <a:cxnLst/>
+            <a:rect l="l" t="t" r="r" b="b"/>
+            <a:pathLst>
+              <a:path w="2189392" h="1893933">
+                <a:moveTo>
+                  <a:pt x="0" y="0"/>
+                </a:moveTo>
+                <a:lnTo>
+                  <a:pt x="2189392" y="0"/>
+                </a:lnTo>
+                <a:lnTo>
+                  <a:pt x="2189392" y="1893933"/>
+                </a:lnTo>
+                <a:lnTo>
+                  <a:pt x="0" y="1893933"/>
+                </a:lnTo>
+                <a:lnTo>
+                  <a:pt x="0" y="0"/>
+                </a:lnTo>
+                <a:close/>
+              </a:path>
+            </a:pathLst>
+          </a:custGeom>
+          <a:blipFill>
+            <a:blip r:embed="rId2"/>
+            <a:stretch>
+              <a:fillRect t="-3291" b="-3291"/>
+            </a:stretch>
+          </a:blipFill>
+        </p:spPr>
+      </p:sp>
+      <p:grpSp>
+        <p:nvGrpSpPr>
+          <p:cNvPr id="3" name="Group 3"/>
+          <p:cNvGrpSpPr/>
+          <p:nvPr/>
+        </p:nvGrpSpPr>
+        <p:grpSpPr>
+          <a:xfrm>
+            <a:off x="2123396" y="0"/>
+            <a:ext cx="16164604" cy="1893933"/>
+            <a:chOff x="0" y="0"/>
+            <a:chExt cx="4257344" cy="498814"/>
+          </a:xfrm>
+        </p:grpSpPr>
+        <p:sp>
+          <p:nvSpPr>
+            <p:cNvPr id="4" name="Freeform 4"/>
+            <p:cNvSpPr/>
+            <p:nvPr/>
+          </p:nvSpPr>
+          <p:spPr>
+            <a:xfrm>
+              <a:off x="0" y="0"/>
+              <a:ext cx="4257344" cy="498814"/>
+            </a:xfrm>
+            <a:custGeom>
+              <a:avLst/>
+              <a:gdLst/>
+              <a:ahLst/>
+              <a:cxnLst/>
+              <a:rect l="l" t="t" r="r" b="b"/>
+              <a:pathLst>
+                <a:path w="4257344" h="498814">
+                  <a:moveTo>
+                    <a:pt x="0" y="0"/>
+                  </a:moveTo>
+                  <a:lnTo>
+                    <a:pt x="4257344" y="0"/>
+                  </a:lnTo>
+                  <a:lnTo>
+                    <a:pt x="4257344" y="498814"/>
+                  </a:lnTo>
+                  <a:lnTo>
+                    <a:pt x="0" y="498814"/>
+                  </a:lnTo>
+                  <a:close/>
+                </a:path>
+              </a:pathLst>
+            </a:custGeom>
+            <a:solidFill>
+              <a:srgbClr val="141583"/>
+            </a:solidFill>
+          </p:spPr>
+        </p:sp>
+        <p:sp>
+          <p:nvSpPr>
+            <p:cNvPr id="5" name="TextBox 5"/>
+            <p:cNvSpPr txBox="1"/>
+            <p:nvPr/>
+          </p:nvSpPr>
+          <p:spPr>
+            <a:xfrm>
+              <a:off x="0" y="-57150"/>
+              <a:ext cx="4257344" cy="555964"/>
+            </a:xfrm>
+            <a:prstGeom prst="rect">
+              <a:avLst/>
+            </a:prstGeom>
+          </p:spPr>
+          <p:txBody>
+            <a:bodyPr lIns="50800" tIns="50800" rIns="50800" bIns="50800" rtlCol="0" anchor="ctr"/>
+            <a:lstStyle/>
+            <a:p>
+              <a:pPr algn="ctr">
+                <a:lnSpc>
+                  <a:spcPts val="3500"/>
+                </a:lnSpc>
+              </a:pPr>
+              <a:endParaRPr/>
+            </a:p>
+          </p:txBody>
+        </p:sp>
+      </p:grpSp>
+      <p:sp>
+        <p:nvSpPr>
+          <p:cNvPr id="7" name="TextBox 7"/>
+          <p:cNvSpPr txBox="1"/>
+          <p:nvPr/>
+        </p:nvSpPr>
+        <p:spPr>
+          <a:xfrm>
+            <a:off x="7610850" y="168081"/>
+            <a:ext cx="5189697" cy="537844"/>
+          </a:xfrm>
+          <a:prstGeom prst="rect">
+            <a:avLst/>
+          </a:prstGeom>
+        </p:spPr>
+        <p:txBody>
+          <a:bodyPr lIns="0" tIns="0" rIns="0" bIns="0" rtlCol="0" anchor="t">
+            <a:spAutoFit/>
+          </a:bodyPr>
+          <a:lstStyle/>
+          <a:p>
+            <a:pPr marL="0" lvl="0" indent="0" algn="ctr">
+              <a:lnSpc>
+                <a:spcPts val="4480"/>
+              </a:lnSpc>
+              <a:spcBef>
+                <a:spcPct val="0"/>
+              </a:spcBef>
+            </a:pPr>
+            <a:r>
+              <a:rPr lang="en-US" sz="3200">
+                <a:solidFill>
+                  <a:srgbClr val="FFFFFF"/>
                 </a:solidFill>
                 <a:latin typeface="Canva Sans Bold"/>
               </a:rPr>
-              <a:t>geolocation services </a:t>
-            </a:r>
-            <a:r>
-              <a:rPr lang="en-US" sz="3399">
-                <a:solidFill>
-                  <a:srgbClr val="000000"/>
-                </a:solidFill>
-                <a:latin typeface="Canva Sans"/>
-              </a:rPr>
-              <a:t>and</a:t>
-            </a:r>
-            <a:r>
-              <a:rPr lang="en-US" sz="3399">
-                <a:solidFill>
-                  <a:srgbClr val="000000"/>
+              <a:t>A Project Presentation on </a:t>
+            </a:r>
+          </a:p>
+        </p:txBody>
+      </p:sp>
+      <p:sp>
+        <p:nvSpPr>
+          <p:cNvPr id="8" name="TextBox 8"/>
+          <p:cNvSpPr txBox="1"/>
+          <p:nvPr/>
+        </p:nvSpPr>
+        <p:spPr>
+          <a:xfrm>
+            <a:off x="6032498" y="870766"/>
+            <a:ext cx="8346400" cy="646429"/>
+          </a:xfrm>
+          <a:prstGeom prst="rect">
+            <a:avLst/>
+          </a:prstGeom>
+        </p:spPr>
+        <p:txBody>
+          <a:bodyPr lIns="0" tIns="0" rIns="0" bIns="0" rtlCol="0" anchor="t">
+            <a:spAutoFit/>
+          </a:bodyPr>
+          <a:lstStyle/>
+          <a:p>
+            <a:pPr algn="ctr">
+              <a:lnSpc>
+                <a:spcPts val="5320"/>
+              </a:lnSpc>
+            </a:pPr>
+            <a:r>
+              <a:rPr lang="en-US" sz="3800">
+                <a:solidFill>
+                  <a:srgbClr val="FFF500"/>
                 </a:solidFill>
                 <a:latin typeface="Canva Sans Bold"/>
               </a:rPr>
-              <a:t> camera metadata.</a:t>
-            </a:r>
-          </a:p>
-          <a:p>
-            <a:pPr marL="734059" lvl="1" indent="-367030" algn="just">
-              <a:lnSpc>
-                <a:spcPts val="4759"/>
-              </a:lnSpc>
-              <a:buFont typeface="Arial"/>
-              <a:buChar char="•"/>
-            </a:pPr>
-            <a:r>
-              <a:rPr lang="en-US" sz="3399">
-                <a:solidFill>
-                  <a:srgbClr val="000000"/>
-                </a:solidFill>
-                <a:latin typeface="Canva Sans"/>
-              </a:rPr>
-              <a:t>Deploying the system on </a:t>
-            </a:r>
-            <a:r>
-              <a:rPr lang="en-US" sz="3399">
-                <a:solidFill>
-                  <a:srgbClr val="000000"/>
+              <a:t>“Missing Person Detection System”</a:t>
+            </a:r>
+          </a:p>
+        </p:txBody>
+      </p:sp>
+      <p:sp>
+        <p:nvSpPr>
+          <p:cNvPr id="9" name="TextBox 9"/>
+          <p:cNvSpPr txBox="1"/>
+          <p:nvPr/>
+        </p:nvSpPr>
+        <p:spPr>
+          <a:xfrm>
+            <a:off x="6950636" y="2027283"/>
+            <a:ext cx="5627524" cy="903605"/>
+          </a:xfrm>
+          <a:prstGeom prst="rect">
+            <a:avLst/>
+          </a:prstGeom>
+        </p:spPr>
+        <p:txBody>
+          <a:bodyPr lIns="0" tIns="0" rIns="0" bIns="0" rtlCol="0" anchor="t">
+            <a:spAutoFit/>
+          </a:bodyPr>
+          <a:lstStyle/>
+          <a:p>
+            <a:pPr algn="ctr">
+              <a:lnSpc>
+                <a:spcPts val="7419"/>
+              </a:lnSpc>
+            </a:pPr>
+            <a:r>
+              <a:rPr lang="en-US" sz="5299" u="sng">
+                <a:solidFill>
+                  <a:srgbClr val="0003FF"/>
                 </a:solidFill>
                 <a:latin typeface="Canva Sans Bold"/>
               </a:rPr>
-              <a:t>cloud services </a:t>
-            </a:r>
-            <a:r>
-              <a:rPr lang="en-US" sz="3399">
-                <a:solidFill>
-                  <a:srgbClr val="000000"/>
-                </a:solidFill>
-                <a:latin typeface="Canva Sans"/>
-              </a:rPr>
-              <a:t>like </a:t>
-            </a:r>
-            <a:r>
-              <a:rPr lang="en-US" sz="3399">
-                <a:solidFill>
-                  <a:srgbClr val="000000"/>
+              <a:t>System Design</a:t>
+            </a:r>
+          </a:p>
+        </p:txBody>
+      </p:sp>
+      <p:pic>
+        <p:nvPicPr>
+          <p:cNvPr id="12" name="Picture 11">
+            <a:extLst>
+              <a:ext uri="{FF2B5EF4-FFF2-40B4-BE49-F238E27FC236}">
+                <a16:creationId xmlns:a16="http://schemas.microsoft.com/office/drawing/2014/main" id="{B48712E9-ECE0-4833-39AB-540CCCA7B454}"/>
+              </a:ext>
+            </a:extLst>
+          </p:cNvPr>
+          <p:cNvPicPr>
+            <a:picLocks noChangeAspect="1"/>
+          </p:cNvPicPr>
+          <p:nvPr/>
+        </p:nvPicPr>
+        <p:blipFill>
+          <a:blip r:embed="rId3">
+            <a:extLst>
+              <a:ext uri="{28A0092B-C50C-407E-A947-70E740481C1C}">
+                <a14:useLocalDpi xmlns:a14="http://schemas.microsoft.com/office/drawing/2010/main" val="0"/>
+              </a:ext>
+            </a:extLst>
+          </a:blip>
+          <a:stretch>
+            <a:fillRect/>
+          </a:stretch>
+        </p:blipFill>
+        <p:spPr>
+          <a:xfrm>
+            <a:off x="2819971" y="3238500"/>
+            <a:ext cx="12648057" cy="6324600"/>
+          </a:xfrm>
+          <a:prstGeom prst="rect">
+            <a:avLst/>
+          </a:prstGeom>
+        </p:spPr>
+      </p:pic>
+    </p:spTree>
+  </p:cSld>
+  <p:clrMapOvr>
+    <a:masterClrMapping/>
+  </p:clrMapOvr>
+</p:sld>
+</file>
+
+<file path=ppt/slides/slide9.xml><?xml version="1.0" encoding="utf-8"?>
+<p:sld xmlns:a="http://schemas.openxmlformats.org/drawingml/2006/main" xmlns:r="http://schemas.openxmlformats.org/officeDocument/2006/relationships" xmlns:p="http://schemas.openxmlformats.org/presentationml/2006/main">
+  <p:cSld>
+    <p:spTree>
+      <p:nvGrpSpPr>
+        <p:cNvPr id="1" name=""/>
+        <p:cNvGrpSpPr/>
+        <p:nvPr/>
+      </p:nvGrpSpPr>
+      <p:grpSpPr>
+        <a:xfrm>
+          <a:off x="0" y="0"/>
+          <a:ext cx="0" cy="0"/>
+          <a:chOff x="0" y="0"/>
+          <a:chExt cx="0" cy="0"/>
+        </a:xfrm>
+      </p:grpSpPr>
+      <p:sp>
+        <p:nvSpPr>
+          <p:cNvPr id="2" name="Freeform 2"/>
+          <p:cNvSpPr/>
+          <p:nvPr/>
+        </p:nvSpPr>
+        <p:spPr>
+          <a:xfrm>
+            <a:off x="-65996" y="0"/>
+            <a:ext cx="2189392" cy="1893933"/>
+          </a:xfrm>
+          <a:custGeom>
+            <a:avLst/>
+            <a:gdLst/>
+            <a:ahLst/>
+            <a:cxnLst/>
+            <a:rect l="l" t="t" r="r" b="b"/>
+            <a:pathLst>
+              <a:path w="2189392" h="1893933">
+                <a:moveTo>
+                  <a:pt x="0" y="0"/>
+                </a:moveTo>
+                <a:lnTo>
+                  <a:pt x="2189392" y="0"/>
+                </a:lnTo>
+                <a:lnTo>
+                  <a:pt x="2189392" y="1893933"/>
+                </a:lnTo>
+                <a:lnTo>
+                  <a:pt x="0" y="1893933"/>
+                </a:lnTo>
+                <a:lnTo>
+                  <a:pt x="0" y="0"/>
+                </a:lnTo>
+                <a:close/>
+              </a:path>
+            </a:pathLst>
+          </a:custGeom>
+          <a:blipFill>
+            <a:blip r:embed="rId2"/>
+            <a:stretch>
+              <a:fillRect t="-3291" b="-3291"/>
+            </a:stretch>
+          </a:blipFill>
+        </p:spPr>
+      </p:sp>
+      <p:grpSp>
+        <p:nvGrpSpPr>
+          <p:cNvPr id="3" name="Group 3"/>
+          <p:cNvGrpSpPr/>
+          <p:nvPr/>
+        </p:nvGrpSpPr>
+        <p:grpSpPr>
+          <a:xfrm>
+            <a:off x="2123396" y="0"/>
+            <a:ext cx="16164604" cy="1893933"/>
+            <a:chOff x="0" y="0"/>
+            <a:chExt cx="4257344" cy="498814"/>
+          </a:xfrm>
+        </p:grpSpPr>
+        <p:sp>
+          <p:nvSpPr>
+            <p:cNvPr id="4" name="Freeform 4"/>
+            <p:cNvSpPr/>
+            <p:nvPr/>
+          </p:nvSpPr>
+          <p:spPr>
+            <a:xfrm>
+              <a:off x="0" y="0"/>
+              <a:ext cx="4257344" cy="498814"/>
+            </a:xfrm>
+            <a:custGeom>
+              <a:avLst/>
+              <a:gdLst/>
+              <a:ahLst/>
+              <a:cxnLst/>
+              <a:rect l="l" t="t" r="r" b="b"/>
+              <a:pathLst>
+                <a:path w="4257344" h="498814">
+                  <a:moveTo>
+                    <a:pt x="0" y="0"/>
+                  </a:moveTo>
+                  <a:lnTo>
+                    <a:pt x="4257344" y="0"/>
+                  </a:lnTo>
+                  <a:lnTo>
+                    <a:pt x="4257344" y="498814"/>
+                  </a:lnTo>
+                  <a:lnTo>
+                    <a:pt x="0" y="498814"/>
+                  </a:lnTo>
+                  <a:close/>
+                </a:path>
+              </a:pathLst>
+            </a:custGeom>
+            <a:solidFill>
+              <a:srgbClr val="141583"/>
+            </a:solidFill>
+          </p:spPr>
+        </p:sp>
+        <p:sp>
+          <p:nvSpPr>
+            <p:cNvPr id="5" name="TextBox 5"/>
+            <p:cNvSpPr txBox="1"/>
+            <p:nvPr/>
+          </p:nvSpPr>
+          <p:spPr>
+            <a:xfrm>
+              <a:off x="0" y="-57150"/>
+              <a:ext cx="4257344" cy="555964"/>
+            </a:xfrm>
+            <a:prstGeom prst="rect">
+              <a:avLst/>
+            </a:prstGeom>
+          </p:spPr>
+          <p:txBody>
+            <a:bodyPr lIns="50800" tIns="50800" rIns="50800" bIns="50800" rtlCol="0" anchor="ctr"/>
+            <a:lstStyle/>
+            <a:p>
+              <a:pPr algn="ctr">
+                <a:lnSpc>
+                  <a:spcPts val="3500"/>
+                </a:lnSpc>
+              </a:pPr>
+              <a:endParaRPr/>
+            </a:p>
+          </p:txBody>
+        </p:sp>
+      </p:grpSp>
+      <p:sp>
+        <p:nvSpPr>
+          <p:cNvPr id="8" name="TextBox 8"/>
+          <p:cNvSpPr txBox="1"/>
+          <p:nvPr/>
+        </p:nvSpPr>
+        <p:spPr>
+          <a:xfrm>
+            <a:off x="7610850" y="168081"/>
+            <a:ext cx="5189697" cy="537844"/>
+          </a:xfrm>
+          <a:prstGeom prst="rect">
+            <a:avLst/>
+          </a:prstGeom>
+        </p:spPr>
+        <p:txBody>
+          <a:bodyPr lIns="0" tIns="0" rIns="0" bIns="0" rtlCol="0" anchor="t">
+            <a:spAutoFit/>
+          </a:bodyPr>
+          <a:lstStyle/>
+          <a:p>
+            <a:pPr marL="0" lvl="0" indent="0" algn="ctr">
+              <a:lnSpc>
+                <a:spcPts val="4480"/>
+              </a:lnSpc>
+              <a:spcBef>
+                <a:spcPct val="0"/>
+              </a:spcBef>
+            </a:pPr>
+            <a:r>
+              <a:rPr lang="en-US" sz="3200">
+                <a:solidFill>
+                  <a:srgbClr val="FFFFFF"/>
                 </a:solidFill>
                 <a:latin typeface="Canva Sans Bold"/>
               </a:rPr>
-              <a:t>AWS, Azure, or Google Cloud.</a:t>
-            </a:r>
-          </a:p>
-        </p:txBody>
-      </p:sp>
+              <a:t>A Project Presentation on </a:t>
+            </a:r>
+          </a:p>
+        </p:txBody>
+      </p:sp>
+      <p:sp>
+        <p:nvSpPr>
+          <p:cNvPr id="9" name="TextBox 9"/>
+          <p:cNvSpPr txBox="1"/>
+          <p:nvPr/>
+        </p:nvSpPr>
+        <p:spPr>
+          <a:xfrm>
+            <a:off x="6032498" y="870766"/>
+            <a:ext cx="8346400" cy="646429"/>
+          </a:xfrm>
+          <a:prstGeom prst="rect">
+            <a:avLst/>
+          </a:prstGeom>
+        </p:spPr>
+        <p:txBody>
+          <a:bodyPr lIns="0" tIns="0" rIns="0" bIns="0" rtlCol="0" anchor="t">
+            <a:spAutoFit/>
+          </a:bodyPr>
+          <a:lstStyle/>
+          <a:p>
+            <a:pPr algn="ctr">
+              <a:lnSpc>
+                <a:spcPts val="5320"/>
+              </a:lnSpc>
+            </a:pPr>
+            <a:r>
+              <a:rPr lang="en-US" sz="3800">
+                <a:solidFill>
+                  <a:srgbClr val="FFF500"/>
+                </a:solidFill>
+                <a:latin typeface="Canva Sans Bold"/>
+              </a:rPr>
+              <a:t>“Missing Person Detection System”</a:t>
+            </a:r>
+          </a:p>
+        </p:txBody>
+      </p:sp>
+      <p:sp>
+        <p:nvSpPr>
+          <p:cNvPr id="10" name="TextBox 10"/>
+          <p:cNvSpPr txBox="1"/>
+          <p:nvPr/>
+        </p:nvSpPr>
+        <p:spPr>
+          <a:xfrm>
+            <a:off x="6950636" y="2027283"/>
+            <a:ext cx="5627524" cy="903605"/>
+          </a:xfrm>
+          <a:prstGeom prst="rect">
+            <a:avLst/>
+          </a:prstGeom>
+        </p:spPr>
+        <p:txBody>
+          <a:bodyPr lIns="0" tIns="0" rIns="0" bIns="0" rtlCol="0" anchor="t">
+            <a:spAutoFit/>
+          </a:bodyPr>
+          <a:lstStyle/>
+          <a:p>
+            <a:pPr algn="ctr">
+              <a:lnSpc>
+                <a:spcPts val="7419"/>
+              </a:lnSpc>
+            </a:pPr>
+            <a:r>
+              <a:rPr lang="en-US" sz="5299" u="sng">
+                <a:solidFill>
+                  <a:srgbClr val="0003FF"/>
+                </a:solidFill>
+                <a:latin typeface="Canva Sans Bold"/>
+              </a:rPr>
+              <a:t>System Design</a:t>
+            </a:r>
+          </a:p>
+        </p:txBody>
+      </p:sp>
+      <p:pic>
+        <p:nvPicPr>
+          <p:cNvPr id="14" name="Picture 13">
+            <a:extLst>
+              <a:ext uri="{FF2B5EF4-FFF2-40B4-BE49-F238E27FC236}">
+                <a16:creationId xmlns:a16="http://schemas.microsoft.com/office/drawing/2014/main" id="{D4B43C83-E088-6080-6C6F-3A7332661C69}"/>
+              </a:ext>
+            </a:extLst>
+          </p:cNvPr>
+          <p:cNvPicPr>
+            <a:picLocks noChangeAspect="1"/>
+          </p:cNvPicPr>
+          <p:nvPr/>
+        </p:nvPicPr>
+        <p:blipFill>
+          <a:blip r:embed="rId3">
+            <a:extLst>
+              <a:ext uri="{28A0092B-C50C-407E-A947-70E740481C1C}">
+                <a14:useLocalDpi xmlns:a14="http://schemas.microsoft.com/office/drawing/2010/main" val="0"/>
+              </a:ext>
+            </a:extLst>
+          </a:blip>
+          <a:stretch>
+            <a:fillRect/>
+          </a:stretch>
+        </p:blipFill>
+        <p:spPr>
+          <a:xfrm>
+            <a:off x="3200400" y="2930888"/>
+            <a:ext cx="13258800" cy="6121083"/>
+          </a:xfrm>
+          <a:prstGeom prst="rect">
+            <a:avLst/>
+          </a:prstGeom>
+        </p:spPr>
+      </p:pic>
     </p:spTree>
   </p:cSld>
   <p:clrMapOvr>
